--- a/docker-intro-presentation.pptx
+++ b/docker-intro-presentation.pptx
@@ -123,6 +123,11 @@
       </a:defRPr>
     </a:lvl9pPr>
   </p:defaultTextStyle>
+  <p:extLst>
+    <p:ext uri="{EFAFB233-063F-42B5-8137-9DF3F51BA10A}">
+      <p15:sldGuideLst xmlns:p15="http://schemas.microsoft.com/office/powerpoint/2012/main"/>
+    </p:ext>
+  </p:extLst>
 </p:presentation>
 </file>
 
@@ -274,7 +279,7 @@
             <a:fld id="{5586B75A-687E-405C-8A0B-8D00578BA2C3}" type="datetimeFigureOut">
               <a:rPr lang="en-US" smtClean="0"/>
               <a:pPr/>
-              <a:t>5/13/19</a:t>
+              <a:t>5/14/19</a:t>
             </a:fld>
             <a:endParaRPr lang="en-US" dirty="0"/>
           </a:p>
@@ -474,7 +479,7 @@
             <a:fld id="{5586B75A-687E-405C-8A0B-8D00578BA2C3}" type="datetimeFigureOut">
               <a:rPr lang="en-US" smtClean="0"/>
               <a:pPr/>
-              <a:t>5/13/19</a:t>
+              <a:t>5/14/19</a:t>
             </a:fld>
             <a:endParaRPr lang="en-US" dirty="0"/>
           </a:p>
@@ -684,7 +689,7 @@
             <a:fld id="{5586B75A-687E-405C-8A0B-8D00578BA2C3}" type="datetimeFigureOut">
               <a:rPr lang="en-US" smtClean="0"/>
               <a:pPr/>
-              <a:t>5/13/19</a:t>
+              <a:t>5/14/19</a:t>
             </a:fld>
             <a:endParaRPr lang="en-US" dirty="0"/>
           </a:p>
@@ -884,7 +889,7 @@
             <a:fld id="{5586B75A-687E-405C-8A0B-8D00578BA2C3}" type="datetimeFigureOut">
               <a:rPr lang="en-US" smtClean="0"/>
               <a:pPr/>
-              <a:t>5/13/19</a:t>
+              <a:t>5/14/19</a:t>
             </a:fld>
             <a:endParaRPr lang="en-US" dirty="0"/>
           </a:p>
@@ -1161,7 +1166,7 @@
             <a:fld id="{5586B75A-687E-405C-8A0B-8D00578BA2C3}" type="datetimeFigureOut">
               <a:rPr lang="en-US" smtClean="0"/>
               <a:pPr/>
-              <a:t>5/13/19</a:t>
+              <a:t>5/14/19</a:t>
             </a:fld>
             <a:endParaRPr lang="en-US" dirty="0"/>
           </a:p>
@@ -1428,7 +1433,7 @@
             <a:fld id="{5586B75A-687E-405C-8A0B-8D00578BA2C3}" type="datetimeFigureOut">
               <a:rPr lang="en-US" smtClean="0"/>
               <a:pPr/>
-              <a:t>5/13/19</a:t>
+              <a:t>5/14/19</a:t>
             </a:fld>
             <a:endParaRPr lang="en-US" dirty="0"/>
           </a:p>
@@ -1842,7 +1847,7 @@
             <a:fld id="{5586B75A-687E-405C-8A0B-8D00578BA2C3}" type="datetimeFigureOut">
               <a:rPr lang="en-US" smtClean="0"/>
               <a:pPr/>
-              <a:t>5/13/19</a:t>
+              <a:t>5/14/19</a:t>
             </a:fld>
             <a:endParaRPr lang="en-US" dirty="0"/>
           </a:p>
@@ -1985,7 +1990,7 @@
             <a:fld id="{5586B75A-687E-405C-8A0B-8D00578BA2C3}" type="datetimeFigureOut">
               <a:rPr lang="en-US" smtClean="0"/>
               <a:pPr/>
-              <a:t>5/13/19</a:t>
+              <a:t>5/14/19</a:t>
             </a:fld>
             <a:endParaRPr lang="en-US" dirty="0"/>
           </a:p>
@@ -2100,7 +2105,7 @@
             <a:fld id="{5586B75A-687E-405C-8A0B-8D00578BA2C3}" type="datetimeFigureOut">
               <a:rPr lang="en-US" smtClean="0"/>
               <a:pPr/>
-              <a:t>5/13/19</a:t>
+              <a:t>5/14/19</a:t>
             </a:fld>
             <a:endParaRPr lang="en-US" dirty="0"/>
           </a:p>
@@ -2413,7 +2418,7 @@
             <a:fld id="{5586B75A-687E-405C-8A0B-8D00578BA2C3}" type="datetimeFigureOut">
               <a:rPr lang="en-US" smtClean="0"/>
               <a:pPr/>
-              <a:t>5/13/19</a:t>
+              <a:t>5/14/19</a:t>
             </a:fld>
             <a:endParaRPr lang="en-US" dirty="0"/>
           </a:p>
@@ -2703,7 +2708,7 @@
             <a:fld id="{5586B75A-687E-405C-8A0B-8D00578BA2C3}" type="datetimeFigureOut">
               <a:rPr lang="en-US" smtClean="0"/>
               <a:pPr/>
-              <a:t>5/13/19</a:t>
+              <a:t>5/14/19</a:t>
             </a:fld>
             <a:endParaRPr lang="en-US" dirty="0"/>
           </a:p>
@@ -2946,7 +2951,7 @@
             <a:fld id="{5586B75A-687E-405C-8A0B-8D00578BA2C3}" type="datetimeFigureOut">
               <a:rPr lang="en-US" smtClean="0"/>
               <a:pPr/>
-              <a:t>5/13/19</a:t>
+              <a:t>5/14/19</a:t>
             </a:fld>
             <a:endParaRPr lang="en-US" dirty="0"/>
           </a:p>
@@ -3704,6 +3709,36 @@
           </a:p>
         </p:txBody>
       </p:sp>
+      <p:pic>
+        <p:nvPicPr>
+          <p:cNvPr id="4" name="Picture 3">
+            <a:extLst>
+              <a:ext uri="{FF2B5EF4-FFF2-40B4-BE49-F238E27FC236}">
+                <a16:creationId xmlns:a16="http://schemas.microsoft.com/office/drawing/2014/main" id="{718657A8-9FFE-3441-A2DB-1631A9D67472}"/>
+              </a:ext>
+            </a:extLst>
+          </p:cNvPr>
+          <p:cNvPicPr>
+            <a:picLocks noChangeAspect="1"/>
+          </p:cNvPicPr>
+          <p:nvPr/>
+        </p:nvPicPr>
+        <p:blipFill>
+          <a:blip r:embed="rId2"/>
+          <a:stretch>
+            <a:fillRect/>
+          </a:stretch>
+        </p:blipFill>
+        <p:spPr>
+          <a:xfrm>
+            <a:off x="5814950" y="2598738"/>
+            <a:ext cx="4267200" cy="3578225"/>
+          </a:xfrm>
+          <a:prstGeom prst="rect">
+            <a:avLst/>
+          </a:prstGeom>
+        </p:spPr>
+      </p:pic>
     </p:spTree>
     <p:extLst>
       <p:ext uri="{BB962C8B-B14F-4D97-AF65-F5344CB8AC3E}">
@@ -4804,6 +4839,36 @@
           </a:p>
         </p:txBody>
       </p:sp>
+      <p:pic>
+        <p:nvPicPr>
+          <p:cNvPr id="7" name="Picture 6">
+            <a:extLst>
+              <a:ext uri="{FF2B5EF4-FFF2-40B4-BE49-F238E27FC236}">
+                <a16:creationId xmlns:a16="http://schemas.microsoft.com/office/drawing/2014/main" id="{681A2EB4-91ED-AA44-9986-796F18507B5C}"/>
+              </a:ext>
+            </a:extLst>
+          </p:cNvPr>
+          <p:cNvPicPr>
+            <a:picLocks noChangeAspect="1"/>
+          </p:cNvPicPr>
+          <p:nvPr/>
+        </p:nvPicPr>
+        <p:blipFill>
+          <a:blip r:embed="rId2"/>
+          <a:stretch>
+            <a:fillRect/>
+          </a:stretch>
+        </p:blipFill>
+        <p:spPr>
+          <a:xfrm>
+            <a:off x="8564362" y="365124"/>
+            <a:ext cx="2789438" cy="4480007"/>
+          </a:xfrm>
+          <a:prstGeom prst="rect">
+            <a:avLst/>
+          </a:prstGeom>
+        </p:spPr>
+      </p:pic>
     </p:spTree>
     <p:extLst>
       <p:ext uri="{BB962C8B-B14F-4D97-AF65-F5344CB8AC3E}">
@@ -4814,6 +4879,428 @@
   <p:clrMapOvr>
     <a:masterClrMapping/>
   </p:clrMapOvr>
+  <p:timing>
+    <p:tnLst>
+      <p:par>
+        <p:cTn id="1" dur="indefinite" restart="never" nodeType="tmRoot">
+          <p:childTnLst>
+            <p:seq concurrent="1" nextAc="seek">
+              <p:cTn id="2" dur="indefinite" nodeType="mainSeq">
+                <p:childTnLst>
+                  <p:par>
+                    <p:cTn id="3" fill="hold">
+                      <p:stCondLst>
+                        <p:cond delay="indefinite"/>
+                      </p:stCondLst>
+                      <p:childTnLst>
+                        <p:par>
+                          <p:cTn id="4" fill="hold">
+                            <p:stCondLst>
+                              <p:cond delay="0"/>
+                            </p:stCondLst>
+                            <p:childTnLst>
+                              <p:par>
+                                <p:cTn id="5" presetID="1" presetClass="entr" presetSubtype="0" fill="hold" nodeType="clickEffect">
+                                  <p:stCondLst>
+                                    <p:cond delay="0"/>
+                                  </p:stCondLst>
+                                  <p:childTnLst>
+                                    <p:set>
+                                      <p:cBhvr>
+                                        <p:cTn id="6" dur="1" fill="hold">
+                                          <p:stCondLst>
+                                            <p:cond delay="0"/>
+                                          </p:stCondLst>
+                                        </p:cTn>
+                                        <p:tgtEl>
+                                          <p:spTgt spid="3">
+                                            <p:txEl>
+                                              <p:pRg st="0" end="0"/>
+                                            </p:txEl>
+                                          </p:spTgt>
+                                        </p:tgtEl>
+                                        <p:attrNameLst>
+                                          <p:attrName>style.visibility</p:attrName>
+                                        </p:attrNameLst>
+                                      </p:cBhvr>
+                                      <p:to>
+                                        <p:strVal val="visible"/>
+                                      </p:to>
+                                    </p:set>
+                                  </p:childTnLst>
+                                </p:cTn>
+                              </p:par>
+                            </p:childTnLst>
+                          </p:cTn>
+                        </p:par>
+                      </p:childTnLst>
+                    </p:cTn>
+                  </p:par>
+                  <p:par>
+                    <p:cTn id="7" fill="hold">
+                      <p:stCondLst>
+                        <p:cond delay="indefinite"/>
+                      </p:stCondLst>
+                      <p:childTnLst>
+                        <p:par>
+                          <p:cTn id="8" fill="hold">
+                            <p:stCondLst>
+                              <p:cond delay="0"/>
+                            </p:stCondLst>
+                            <p:childTnLst>
+                              <p:par>
+                                <p:cTn id="9" presetID="1" presetClass="entr" presetSubtype="0" fill="hold" nodeType="clickEffect">
+                                  <p:stCondLst>
+                                    <p:cond delay="0"/>
+                                  </p:stCondLst>
+                                  <p:childTnLst>
+                                    <p:set>
+                                      <p:cBhvr>
+                                        <p:cTn id="10" dur="1" fill="hold">
+                                          <p:stCondLst>
+                                            <p:cond delay="0"/>
+                                          </p:stCondLst>
+                                        </p:cTn>
+                                        <p:tgtEl>
+                                          <p:spTgt spid="3">
+                                            <p:txEl>
+                                              <p:pRg st="1" end="1"/>
+                                            </p:txEl>
+                                          </p:spTgt>
+                                        </p:tgtEl>
+                                        <p:attrNameLst>
+                                          <p:attrName>style.visibility</p:attrName>
+                                        </p:attrNameLst>
+                                      </p:cBhvr>
+                                      <p:to>
+                                        <p:strVal val="visible"/>
+                                      </p:to>
+                                    </p:set>
+                                  </p:childTnLst>
+                                </p:cTn>
+                              </p:par>
+                            </p:childTnLst>
+                          </p:cTn>
+                        </p:par>
+                      </p:childTnLst>
+                    </p:cTn>
+                  </p:par>
+                  <p:par>
+                    <p:cTn id="11" fill="hold">
+                      <p:stCondLst>
+                        <p:cond delay="indefinite"/>
+                      </p:stCondLst>
+                      <p:childTnLst>
+                        <p:par>
+                          <p:cTn id="12" fill="hold">
+                            <p:stCondLst>
+                              <p:cond delay="0"/>
+                            </p:stCondLst>
+                            <p:childTnLst>
+                              <p:par>
+                                <p:cTn id="13" presetID="1" presetClass="entr" presetSubtype="0" fill="hold" nodeType="clickEffect">
+                                  <p:stCondLst>
+                                    <p:cond delay="0"/>
+                                  </p:stCondLst>
+                                  <p:childTnLst>
+                                    <p:set>
+                                      <p:cBhvr>
+                                        <p:cTn id="14" dur="1" fill="hold">
+                                          <p:stCondLst>
+                                            <p:cond delay="0"/>
+                                          </p:stCondLst>
+                                        </p:cTn>
+                                        <p:tgtEl>
+                                          <p:spTgt spid="3">
+                                            <p:txEl>
+                                              <p:pRg st="2" end="2"/>
+                                            </p:txEl>
+                                          </p:spTgt>
+                                        </p:tgtEl>
+                                        <p:attrNameLst>
+                                          <p:attrName>style.visibility</p:attrName>
+                                        </p:attrNameLst>
+                                      </p:cBhvr>
+                                      <p:to>
+                                        <p:strVal val="visible"/>
+                                      </p:to>
+                                    </p:set>
+                                  </p:childTnLst>
+                                </p:cTn>
+                              </p:par>
+                            </p:childTnLst>
+                          </p:cTn>
+                        </p:par>
+                      </p:childTnLst>
+                    </p:cTn>
+                  </p:par>
+                  <p:par>
+                    <p:cTn id="15" fill="hold">
+                      <p:stCondLst>
+                        <p:cond delay="indefinite"/>
+                      </p:stCondLst>
+                      <p:childTnLst>
+                        <p:par>
+                          <p:cTn id="16" fill="hold">
+                            <p:stCondLst>
+                              <p:cond delay="0"/>
+                            </p:stCondLst>
+                            <p:childTnLst>
+                              <p:par>
+                                <p:cTn id="17" presetID="1" presetClass="entr" presetSubtype="0" fill="hold" nodeType="clickEffect">
+                                  <p:stCondLst>
+                                    <p:cond delay="0"/>
+                                  </p:stCondLst>
+                                  <p:childTnLst>
+                                    <p:set>
+                                      <p:cBhvr>
+                                        <p:cTn id="18" dur="1" fill="hold">
+                                          <p:stCondLst>
+                                            <p:cond delay="0"/>
+                                          </p:stCondLst>
+                                        </p:cTn>
+                                        <p:tgtEl>
+                                          <p:spTgt spid="3">
+                                            <p:txEl>
+                                              <p:pRg st="3" end="3"/>
+                                            </p:txEl>
+                                          </p:spTgt>
+                                        </p:tgtEl>
+                                        <p:attrNameLst>
+                                          <p:attrName>style.visibility</p:attrName>
+                                        </p:attrNameLst>
+                                      </p:cBhvr>
+                                      <p:to>
+                                        <p:strVal val="visible"/>
+                                      </p:to>
+                                    </p:set>
+                                  </p:childTnLst>
+                                </p:cTn>
+                              </p:par>
+                            </p:childTnLst>
+                          </p:cTn>
+                        </p:par>
+                      </p:childTnLst>
+                    </p:cTn>
+                  </p:par>
+                  <p:par>
+                    <p:cTn id="19" fill="hold">
+                      <p:stCondLst>
+                        <p:cond delay="indefinite"/>
+                      </p:stCondLst>
+                      <p:childTnLst>
+                        <p:par>
+                          <p:cTn id="20" fill="hold">
+                            <p:stCondLst>
+                              <p:cond delay="0"/>
+                            </p:stCondLst>
+                            <p:childTnLst>
+                              <p:par>
+                                <p:cTn id="21" presetID="1" presetClass="entr" presetSubtype="0" fill="hold" nodeType="clickEffect">
+                                  <p:stCondLst>
+                                    <p:cond delay="0"/>
+                                  </p:stCondLst>
+                                  <p:childTnLst>
+                                    <p:set>
+                                      <p:cBhvr>
+                                        <p:cTn id="22" dur="1" fill="hold">
+                                          <p:stCondLst>
+                                            <p:cond delay="0"/>
+                                          </p:stCondLst>
+                                        </p:cTn>
+                                        <p:tgtEl>
+                                          <p:spTgt spid="3">
+                                            <p:txEl>
+                                              <p:pRg st="4" end="4"/>
+                                            </p:txEl>
+                                          </p:spTgt>
+                                        </p:tgtEl>
+                                        <p:attrNameLst>
+                                          <p:attrName>style.visibility</p:attrName>
+                                        </p:attrNameLst>
+                                      </p:cBhvr>
+                                      <p:to>
+                                        <p:strVal val="visible"/>
+                                      </p:to>
+                                    </p:set>
+                                  </p:childTnLst>
+                                </p:cTn>
+                              </p:par>
+                            </p:childTnLst>
+                          </p:cTn>
+                        </p:par>
+                      </p:childTnLst>
+                    </p:cTn>
+                  </p:par>
+                  <p:par>
+                    <p:cTn id="23" fill="hold">
+                      <p:stCondLst>
+                        <p:cond delay="indefinite"/>
+                      </p:stCondLst>
+                      <p:childTnLst>
+                        <p:par>
+                          <p:cTn id="24" fill="hold">
+                            <p:stCondLst>
+                              <p:cond delay="0"/>
+                            </p:stCondLst>
+                            <p:childTnLst>
+                              <p:par>
+                                <p:cTn id="25" presetID="1" presetClass="entr" presetSubtype="0" fill="hold" nodeType="clickEffect">
+                                  <p:stCondLst>
+                                    <p:cond delay="0"/>
+                                  </p:stCondLst>
+                                  <p:childTnLst>
+                                    <p:set>
+                                      <p:cBhvr>
+                                        <p:cTn id="26" dur="1" fill="hold">
+                                          <p:stCondLst>
+                                            <p:cond delay="0"/>
+                                          </p:stCondLst>
+                                        </p:cTn>
+                                        <p:tgtEl>
+                                          <p:spTgt spid="3">
+                                            <p:txEl>
+                                              <p:pRg st="5" end="5"/>
+                                            </p:txEl>
+                                          </p:spTgt>
+                                        </p:tgtEl>
+                                        <p:attrNameLst>
+                                          <p:attrName>style.visibility</p:attrName>
+                                        </p:attrNameLst>
+                                      </p:cBhvr>
+                                      <p:to>
+                                        <p:strVal val="visible"/>
+                                      </p:to>
+                                    </p:set>
+                                  </p:childTnLst>
+                                </p:cTn>
+                              </p:par>
+                            </p:childTnLst>
+                          </p:cTn>
+                        </p:par>
+                      </p:childTnLst>
+                    </p:cTn>
+                  </p:par>
+                  <p:par>
+                    <p:cTn id="27" fill="hold">
+                      <p:stCondLst>
+                        <p:cond delay="indefinite"/>
+                      </p:stCondLst>
+                      <p:childTnLst>
+                        <p:par>
+                          <p:cTn id="28" fill="hold">
+                            <p:stCondLst>
+                              <p:cond delay="0"/>
+                            </p:stCondLst>
+                            <p:childTnLst>
+                              <p:par>
+                                <p:cTn id="29" presetID="1" presetClass="entr" presetSubtype="0" fill="hold" nodeType="clickEffect">
+                                  <p:stCondLst>
+                                    <p:cond delay="0"/>
+                                  </p:stCondLst>
+                                  <p:childTnLst>
+                                    <p:set>
+                                      <p:cBhvr>
+                                        <p:cTn id="30" dur="1" fill="hold">
+                                          <p:stCondLst>
+                                            <p:cond delay="0"/>
+                                          </p:stCondLst>
+                                        </p:cTn>
+                                        <p:tgtEl>
+                                          <p:spTgt spid="3">
+                                            <p:txEl>
+                                              <p:pRg st="6" end="6"/>
+                                            </p:txEl>
+                                          </p:spTgt>
+                                        </p:tgtEl>
+                                        <p:attrNameLst>
+                                          <p:attrName>style.visibility</p:attrName>
+                                        </p:attrNameLst>
+                                      </p:cBhvr>
+                                      <p:to>
+                                        <p:strVal val="visible"/>
+                                      </p:to>
+                                    </p:set>
+                                  </p:childTnLst>
+                                </p:cTn>
+                              </p:par>
+                            </p:childTnLst>
+                          </p:cTn>
+                        </p:par>
+                      </p:childTnLst>
+                    </p:cTn>
+                  </p:par>
+                  <p:par>
+                    <p:cTn id="31" fill="hold">
+                      <p:stCondLst>
+                        <p:cond delay="indefinite"/>
+                      </p:stCondLst>
+                      <p:childTnLst>
+                        <p:par>
+                          <p:cTn id="32" fill="hold">
+                            <p:stCondLst>
+                              <p:cond delay="0"/>
+                            </p:stCondLst>
+                            <p:childTnLst>
+                              <p:par>
+                                <p:cTn id="33" presetID="1" presetClass="entr" presetSubtype="0" fill="hold" nodeType="clickEffect">
+                                  <p:stCondLst>
+                                    <p:cond delay="0"/>
+                                  </p:stCondLst>
+                                  <p:childTnLst>
+                                    <p:set>
+                                      <p:cBhvr>
+                                        <p:cTn id="34" dur="1" fill="hold">
+                                          <p:stCondLst>
+                                            <p:cond delay="0"/>
+                                          </p:stCondLst>
+                                        </p:cTn>
+                                        <p:tgtEl>
+                                          <p:spTgt spid="3">
+                                            <p:txEl>
+                                              <p:pRg st="7" end="7"/>
+                                            </p:txEl>
+                                          </p:spTgt>
+                                        </p:tgtEl>
+                                        <p:attrNameLst>
+                                          <p:attrName>style.visibility</p:attrName>
+                                        </p:attrNameLst>
+                                      </p:cBhvr>
+                                      <p:to>
+                                        <p:strVal val="visible"/>
+                                      </p:to>
+                                    </p:set>
+                                  </p:childTnLst>
+                                </p:cTn>
+                              </p:par>
+                            </p:childTnLst>
+                          </p:cTn>
+                        </p:par>
+                      </p:childTnLst>
+                    </p:cTn>
+                  </p:par>
+                </p:childTnLst>
+              </p:cTn>
+              <p:prevCondLst>
+                <p:cond evt="onPrev" delay="0">
+                  <p:tgtEl>
+                    <p:sldTgt/>
+                  </p:tgtEl>
+                </p:cond>
+              </p:prevCondLst>
+              <p:nextCondLst>
+                <p:cond evt="onNext" delay="0">
+                  <p:tgtEl>
+                    <p:sldTgt/>
+                  </p:tgtEl>
+                </p:cond>
+              </p:nextCondLst>
+            </p:seq>
+          </p:childTnLst>
+        </p:cTn>
+      </p:par>
+    </p:tnLst>
+  </p:timing>
 </p:sld>
 </file>
 
@@ -4897,7 +5384,7 @@
           <a:p>
             <a:r>
               <a:rPr lang="en-US" dirty="0"/>
-              <a:t>May contain multiple services that communicate with each other.</a:t>
+              <a:t>May contain multiple services.</a:t>
             </a:r>
           </a:p>
           <a:p>
@@ -4908,6 +5395,36 @@
           </a:p>
         </p:txBody>
       </p:sp>
+      <p:pic>
+        <p:nvPicPr>
+          <p:cNvPr id="5" name="Picture 4">
+            <a:extLst>
+              <a:ext uri="{FF2B5EF4-FFF2-40B4-BE49-F238E27FC236}">
+                <a16:creationId xmlns:a16="http://schemas.microsoft.com/office/drawing/2014/main" id="{1A2DF36E-F910-D94E-8BB9-D92C3A890914}"/>
+              </a:ext>
+            </a:extLst>
+          </p:cNvPr>
+          <p:cNvPicPr>
+            <a:picLocks noChangeAspect="1"/>
+          </p:cNvPicPr>
+          <p:nvPr/>
+        </p:nvPicPr>
+        <p:blipFill>
+          <a:blip r:embed="rId2"/>
+          <a:stretch>
+            <a:fillRect/>
+          </a:stretch>
+        </p:blipFill>
+        <p:spPr>
+          <a:xfrm>
+            <a:off x="9155875" y="2601801"/>
+            <a:ext cx="2197926" cy="3710099"/>
+          </a:xfrm>
+          <a:prstGeom prst="rect">
+            <a:avLst/>
+          </a:prstGeom>
+        </p:spPr>
+      </p:pic>
     </p:spTree>
     <p:extLst>
       <p:ext uri="{BB962C8B-B14F-4D97-AF65-F5344CB8AC3E}">
@@ -5042,6 +5559,36 @@
           </a:p>
         </p:txBody>
       </p:sp>
+      <p:pic>
+        <p:nvPicPr>
+          <p:cNvPr id="7" name="Picture 6">
+            <a:extLst>
+              <a:ext uri="{FF2B5EF4-FFF2-40B4-BE49-F238E27FC236}">
+                <a16:creationId xmlns:a16="http://schemas.microsoft.com/office/drawing/2014/main" id="{4F9A7F8D-9ED1-6642-A79F-D2FAE2081ED9}"/>
+              </a:ext>
+            </a:extLst>
+          </p:cNvPr>
+          <p:cNvPicPr>
+            <a:picLocks noChangeAspect="1"/>
+          </p:cNvPicPr>
+          <p:nvPr/>
+        </p:nvPicPr>
+        <p:blipFill>
+          <a:blip r:embed="rId2"/>
+          <a:stretch>
+            <a:fillRect/>
+          </a:stretch>
+        </p:blipFill>
+        <p:spPr>
+          <a:xfrm>
+            <a:off x="8668987" y="365125"/>
+            <a:ext cx="2684813" cy="4075508"/>
+          </a:xfrm>
+          <a:prstGeom prst="rect">
+            <a:avLst/>
+          </a:prstGeom>
+        </p:spPr>
+      </p:pic>
     </p:spTree>
     <p:extLst>
       <p:ext uri="{BB962C8B-B14F-4D97-AF65-F5344CB8AC3E}">
@@ -5503,6 +6050,41 @@
           </a:xfrm>
         </p:spPr>
       </p:pic>
+      <p:sp>
+        <p:nvSpPr>
+          <p:cNvPr id="3" name="TextBox 2">
+            <a:extLst>
+              <a:ext uri="{FF2B5EF4-FFF2-40B4-BE49-F238E27FC236}">
+                <a16:creationId xmlns:a16="http://schemas.microsoft.com/office/drawing/2014/main" id="{96530942-ECBD-B04D-9A55-1298D678EBF4}"/>
+              </a:ext>
+            </a:extLst>
+          </p:cNvPr>
+          <p:cNvSpPr txBox="1"/>
+          <p:nvPr/>
+        </p:nvSpPr>
+        <p:spPr>
+          <a:xfrm>
+            <a:off x="838200" y="1321356"/>
+            <a:ext cx="3800104" cy="369332"/>
+          </a:xfrm>
+          <a:prstGeom prst="rect">
+            <a:avLst/>
+          </a:prstGeom>
+          <a:noFill/>
+        </p:spPr>
+        <p:txBody>
+          <a:bodyPr wrap="square" rtlCol="0">
+            <a:spAutoFit/>
+          </a:bodyPr>
+          <a:lstStyle/>
+          <a:p>
+            <a:r>
+              <a:rPr lang="en-US" dirty="0"/>
+              <a:t>People often compare them</a:t>
+            </a:r>
+          </a:p>
+        </p:txBody>
+      </p:sp>
     </p:spTree>
     <p:extLst>
       <p:ext uri="{BB962C8B-B14F-4D97-AF65-F5344CB8AC3E}">

--- a/docker-intro-presentation.pptx
+++ b/docker-intro-presentation.pptx
@@ -15,16 +15,19 @@
     <p:sldId id="263" r:id="rId9"/>
     <p:sldId id="264" r:id="rId10"/>
     <p:sldId id="270" r:id="rId11"/>
-    <p:sldId id="265" r:id="rId12"/>
-    <p:sldId id="266" r:id="rId13"/>
-    <p:sldId id="267" r:id="rId14"/>
-    <p:sldId id="268" r:id="rId15"/>
-    <p:sldId id="269" r:id="rId16"/>
-    <p:sldId id="272" r:id="rId17"/>
-    <p:sldId id="274" r:id="rId18"/>
-    <p:sldId id="275" r:id="rId19"/>
-    <p:sldId id="271" r:id="rId20"/>
-    <p:sldId id="273" r:id="rId21"/>
+    <p:sldId id="276" r:id="rId12"/>
+    <p:sldId id="265" r:id="rId13"/>
+    <p:sldId id="266" r:id="rId14"/>
+    <p:sldId id="267" r:id="rId15"/>
+    <p:sldId id="268" r:id="rId16"/>
+    <p:sldId id="269" r:id="rId17"/>
+    <p:sldId id="272" r:id="rId18"/>
+    <p:sldId id="277" r:id="rId19"/>
+    <p:sldId id="278" r:id="rId20"/>
+    <p:sldId id="274" r:id="rId21"/>
+    <p:sldId id="275" r:id="rId22"/>
+    <p:sldId id="271" r:id="rId23"/>
+    <p:sldId id="273" r:id="rId24"/>
   </p:sldIdLst>
   <p:sldSz cx="12192000" cy="6858000"/>
   <p:notesSz cx="6858000" cy="9144000"/>
@@ -3607,12 +3610,21 @@
               <a:rPr lang="en-US" dirty="0"/>
               <a:t>- Fast and easy!</a:t>
             </a:r>
+          </a:p>
+          <a:p>
+            <a:pPr marL="0" indent="0">
+              <a:buNone/>
+            </a:pPr>
+            <a:r>
+              <a:rPr lang="en-US" dirty="0"/>
+              <a:t>- But it worked on my machine…</a:t>
+            </a:r>
             <a:br>
               <a:rPr lang="en-US" dirty="0"/>
             </a:br>
             <a:r>
               <a:rPr lang="en-US" dirty="0"/>
-              <a:t>- Reproducibility is your friend. Do not embrace the unexpected!</a:t>
+              <a:t>  Reproducibility is your friend. Do not embrace the unexpected!</a:t>
             </a:r>
           </a:p>
         </p:txBody>
@@ -3652,6 +3664,140 @@
           <p:cNvPr id="2" name="Title 1">
             <a:extLst>
               <a:ext uri="{FF2B5EF4-FFF2-40B4-BE49-F238E27FC236}">
+                <a16:creationId xmlns:a16="http://schemas.microsoft.com/office/drawing/2014/main" id="{4B4DD8AF-4E46-A841-AD4A-40CEC9073984}"/>
+              </a:ext>
+            </a:extLst>
+          </p:cNvPr>
+          <p:cNvSpPr>
+            <a:spLocks noGrp="1"/>
+          </p:cNvSpPr>
+          <p:nvPr>
+            <p:ph type="title"/>
+          </p:nvPr>
+        </p:nvSpPr>
+        <p:spPr/>
+        <p:txBody>
+          <a:bodyPr/>
+          <a:lstStyle/>
+          <a:p>
+            <a:r>
+              <a:rPr lang="en-US" dirty="0"/>
+              <a:t>Why do companies like containers?</a:t>
+            </a:r>
+          </a:p>
+        </p:txBody>
+      </p:sp>
+      <p:sp>
+        <p:nvSpPr>
+          <p:cNvPr id="3" name="Content Placeholder 2">
+            <a:extLst>
+              <a:ext uri="{FF2B5EF4-FFF2-40B4-BE49-F238E27FC236}">
+                <a16:creationId xmlns:a16="http://schemas.microsoft.com/office/drawing/2014/main" id="{39BB0EF4-F7FC-4A46-B1FD-50E30A92584B}"/>
+              </a:ext>
+            </a:extLst>
+          </p:cNvPr>
+          <p:cNvSpPr>
+            <a:spLocks noGrp="1"/>
+          </p:cNvSpPr>
+          <p:nvPr>
+            <p:ph idx="1"/>
+          </p:nvPr>
+        </p:nvSpPr>
+        <p:spPr/>
+        <p:txBody>
+          <a:bodyPr/>
+          <a:lstStyle/>
+          <a:p>
+            <a:r>
+              <a:rPr lang="en-US" dirty="0"/>
+              <a:t>Faster (continuous) delivery.</a:t>
+            </a:r>
+          </a:p>
+          <a:p>
+            <a:r>
+              <a:rPr lang="en-US" dirty="0"/>
+              <a:t>Microservice architecture makes your team more efficient.</a:t>
+            </a:r>
+          </a:p>
+          <a:p>
+            <a:r>
+              <a:rPr lang="en-US" dirty="0"/>
+              <a:t>Portability and reproducibility make client deliverables easy to handle.</a:t>
+            </a:r>
+          </a:p>
+          <a:p>
+            <a:r>
+              <a:rPr lang="en-US" dirty="0"/>
+              <a:t>Better resource utilization - servers are expensive!</a:t>
+            </a:r>
+          </a:p>
+        </p:txBody>
+      </p:sp>
+      <p:pic>
+        <p:nvPicPr>
+          <p:cNvPr id="5" name="Picture 4">
+            <a:extLst>
+              <a:ext uri="{FF2B5EF4-FFF2-40B4-BE49-F238E27FC236}">
+                <a16:creationId xmlns:a16="http://schemas.microsoft.com/office/drawing/2014/main" id="{5981BB9C-206C-A344-A4CB-C9DC1F21DE8C}"/>
+              </a:ext>
+            </a:extLst>
+          </p:cNvPr>
+          <p:cNvPicPr>
+            <a:picLocks noChangeAspect="1"/>
+          </p:cNvPicPr>
+          <p:nvPr/>
+        </p:nvPicPr>
+        <p:blipFill>
+          <a:blip r:embed="rId2"/>
+          <a:stretch>
+            <a:fillRect/>
+          </a:stretch>
+        </p:blipFill>
+        <p:spPr>
+          <a:xfrm>
+            <a:off x="8478982" y="3422489"/>
+            <a:ext cx="2642754" cy="2889411"/>
+          </a:xfrm>
+          <a:prstGeom prst="rect">
+            <a:avLst/>
+          </a:prstGeom>
+        </p:spPr>
+      </p:pic>
+    </p:spTree>
+    <p:extLst>
+      <p:ext uri="{BB962C8B-B14F-4D97-AF65-F5344CB8AC3E}">
+        <p14:creationId xmlns:p14="http://schemas.microsoft.com/office/powerpoint/2010/main" val="682136884"/>
+      </p:ext>
+    </p:extLst>
+  </p:cSld>
+  <p:clrMapOvr>
+    <a:masterClrMapping/>
+  </p:clrMapOvr>
+</p:sld>
+</file>
+
+<file path=ppt/slides/slide12.xml><?xml version="1.0" encoding="utf-8"?>
+<p:sld xmlns:a="http://schemas.openxmlformats.org/drawingml/2006/main" xmlns:r="http://schemas.openxmlformats.org/officeDocument/2006/relationships" xmlns:p="http://schemas.openxmlformats.org/presentationml/2006/main">
+  <p:cSld>
+    <p:spTree>
+      <p:nvGrpSpPr>
+        <p:cNvPr id="1" name=""/>
+        <p:cNvGrpSpPr/>
+        <p:nvPr/>
+      </p:nvGrpSpPr>
+      <p:grpSpPr>
+        <a:xfrm>
+          <a:off x="0" y="0"/>
+          <a:ext cx="0" cy="0"/>
+          <a:chOff x="0" y="0"/>
+          <a:chExt cx="0" cy="0"/>
+        </a:xfrm>
+      </p:grpSpPr>
+      <p:sp>
+        <p:nvSpPr>
+          <p:cNvPr id="2" name="Title 1">
+            <a:extLst>
+              <a:ext uri="{FF2B5EF4-FFF2-40B4-BE49-F238E27FC236}">
                 <a16:creationId xmlns:a16="http://schemas.microsoft.com/office/drawing/2014/main" id="{93EE10B1-2F35-4044-9D22-8BF5BBE845EC}"/>
               </a:ext>
             </a:extLst>
@@ -3698,7 +3844,7 @@
           <a:p>
             <a:r>
               <a:rPr lang="en-US" dirty="0"/>
-              <a:t>But enough of these slides let’s see some containers!</a:t>
+              <a:t>But enough of these slides show me some containers!</a:t>
             </a:r>
           </a:p>
           <a:p>
@@ -3752,104 +3898,6 @@
 </p:sld>
 </file>
 
-<file path=ppt/slides/slide12.xml><?xml version="1.0" encoding="utf-8"?>
-<p:sld xmlns:a="http://schemas.openxmlformats.org/drawingml/2006/main" xmlns:r="http://schemas.openxmlformats.org/officeDocument/2006/relationships" xmlns:p="http://schemas.openxmlformats.org/presentationml/2006/main">
-  <p:cSld>
-    <p:spTree>
-      <p:nvGrpSpPr>
-        <p:cNvPr id="1" name=""/>
-        <p:cNvGrpSpPr/>
-        <p:nvPr/>
-      </p:nvGrpSpPr>
-      <p:grpSpPr>
-        <a:xfrm>
-          <a:off x="0" y="0"/>
-          <a:ext cx="0" cy="0"/>
-          <a:chOff x="0" y="0"/>
-          <a:chExt cx="0" cy="0"/>
-        </a:xfrm>
-      </p:grpSpPr>
-      <p:sp>
-        <p:nvSpPr>
-          <p:cNvPr id="2" name="Title 1">
-            <a:extLst>
-              <a:ext uri="{FF2B5EF4-FFF2-40B4-BE49-F238E27FC236}">
-                <a16:creationId xmlns:a16="http://schemas.microsoft.com/office/drawing/2014/main" id="{E7783BBC-62EF-A144-BDE3-99F9484CAE13}"/>
-              </a:ext>
-            </a:extLst>
-          </p:cNvPr>
-          <p:cNvSpPr>
-            <a:spLocks noGrp="1"/>
-          </p:cNvSpPr>
-          <p:nvPr>
-            <p:ph type="title"/>
-          </p:nvPr>
-        </p:nvSpPr>
-        <p:spPr/>
-        <p:txBody>
-          <a:bodyPr/>
-          <a:lstStyle/>
-          <a:p>
-            <a:r>
-              <a:rPr lang="en-US" dirty="0"/>
-              <a:t>What did this actually do?</a:t>
-            </a:r>
-          </a:p>
-        </p:txBody>
-      </p:sp>
-      <p:sp>
-        <p:nvSpPr>
-          <p:cNvPr id="3" name="Content Placeholder 2">
-            <a:extLst>
-              <a:ext uri="{FF2B5EF4-FFF2-40B4-BE49-F238E27FC236}">
-                <a16:creationId xmlns:a16="http://schemas.microsoft.com/office/drawing/2014/main" id="{F27811D9-5B0B-E345-8930-1AE0945199C5}"/>
-              </a:ext>
-            </a:extLst>
-          </p:cNvPr>
-          <p:cNvSpPr>
-            <a:spLocks noGrp="1"/>
-          </p:cNvSpPr>
-          <p:nvPr>
-            <p:ph idx="1"/>
-          </p:nvPr>
-        </p:nvSpPr>
-        <p:spPr/>
-        <p:txBody>
-          <a:bodyPr/>
-          <a:lstStyle/>
-          <a:p>
-            <a:r>
-              <a:rPr lang="en-US" dirty="0"/>
-              <a:t>Images – what are they?</a:t>
-            </a:r>
-          </a:p>
-          <a:p>
-            <a:r>
-              <a:rPr lang="en-US" dirty="0"/>
-              <a:t>How do images store data.</a:t>
-            </a:r>
-          </a:p>
-          <a:p>
-            <a:r>
-              <a:rPr lang="en-US" dirty="0"/>
-              <a:t>Containers - what is the difference?</a:t>
-            </a:r>
-          </a:p>
-        </p:txBody>
-      </p:sp>
-    </p:spTree>
-    <p:extLst>
-      <p:ext uri="{BB962C8B-B14F-4D97-AF65-F5344CB8AC3E}">
-        <p14:creationId xmlns:p14="http://schemas.microsoft.com/office/powerpoint/2010/main" val="3738929896"/>
-      </p:ext>
-    </p:extLst>
-  </p:cSld>
-  <p:clrMapOvr>
-    <a:masterClrMapping/>
-  </p:clrMapOvr>
-</p:sld>
-</file>
-
 <file path=ppt/slides/slide13.xml><?xml version="1.0" encoding="utf-8"?>
 <p:sld xmlns:a="http://schemas.openxmlformats.org/drawingml/2006/main" xmlns:r="http://schemas.openxmlformats.org/officeDocument/2006/relationships" xmlns:p="http://schemas.openxmlformats.org/presentationml/2006/main">
   <p:cSld>
@@ -3872,7 +3920,7 @@
           <p:cNvPr id="2" name="Title 1">
             <a:extLst>
               <a:ext uri="{FF2B5EF4-FFF2-40B4-BE49-F238E27FC236}">
-                <a16:creationId xmlns:a16="http://schemas.microsoft.com/office/drawing/2014/main" id="{ACD06000-D0E8-E545-A7EC-D83902A4D703}"/>
+                <a16:creationId xmlns:a16="http://schemas.microsoft.com/office/drawing/2014/main" id="{E7783BBC-62EF-A144-BDE3-99F9484CAE13}"/>
               </a:ext>
             </a:extLst>
           </p:cNvPr>
@@ -3890,7 +3938,7 @@
           <a:p>
             <a:r>
               <a:rPr lang="en-US" dirty="0"/>
-              <a:t>Can I run my database in Docker?</a:t>
+              <a:t>What did this actually do?</a:t>
             </a:r>
           </a:p>
         </p:txBody>
@@ -3900,7 +3948,7 @@
           <p:cNvPr id="3" name="Content Placeholder 2">
             <a:extLst>
               <a:ext uri="{FF2B5EF4-FFF2-40B4-BE49-F238E27FC236}">
-                <a16:creationId xmlns:a16="http://schemas.microsoft.com/office/drawing/2014/main" id="{9C1D3FBB-562E-EA42-885F-D8C86E8656C3}"/>
+                <a16:creationId xmlns:a16="http://schemas.microsoft.com/office/drawing/2014/main" id="{F27811D9-5B0B-E345-8930-1AE0945199C5}"/>
               </a:ext>
             </a:extLst>
           </p:cNvPr>
@@ -3918,25 +3966,76 @@
           <a:p>
             <a:r>
               <a:rPr lang="en-US" dirty="0"/>
-              <a:t>You sure can!</a:t>
+              <a:t>Images – what are they?</a:t>
+            </a:r>
+          </a:p>
+          <a:p>
+            <a:r>
+              <a:rPr lang="en-US" dirty="0"/>
+              <a:t>How do images store data. Wouldn’t packaging a whole OS and creating many containers on a system use up a lot disk space?</a:t>
+            </a:r>
+          </a:p>
+          <a:p>
+            <a:r>
+              <a:rPr lang="en-US" dirty="0"/>
+              <a:t>Let us look at docker save really quick as an example.</a:t>
+            </a:r>
+          </a:p>
+          <a:p>
+            <a:r>
+              <a:rPr lang="en-US" dirty="0"/>
+              <a:t>Containers - what is the difference? What happens when I run an image?</a:t>
+            </a:r>
+          </a:p>
+          <a:p>
+            <a:r>
+              <a:rPr lang="en-US" dirty="0"/>
+              <a:t>Note that we run only a</a:t>
             </a:r>
             <a:br>
               <a:rPr lang="en-US" dirty="0"/>
             </a:br>
-            <a:endParaRPr lang="en-US" dirty="0"/>
-          </a:p>
-          <a:p>
-            <a:r>
-              <a:rPr lang="en-US" dirty="0"/>
-              <a:t>Have you tried turning it off and on again?</a:t>
-            </a:r>
-          </a:p>
-        </p:txBody>
-      </p:sp>
+            <a:r>
+              <a:rPr lang="en-US" dirty="0"/>
+              <a:t>single thing!</a:t>
+            </a:r>
+          </a:p>
+        </p:txBody>
+      </p:sp>
+      <p:pic>
+        <p:nvPicPr>
+          <p:cNvPr id="5" name="Picture 4">
+            <a:extLst>
+              <a:ext uri="{FF2B5EF4-FFF2-40B4-BE49-F238E27FC236}">
+                <a16:creationId xmlns:a16="http://schemas.microsoft.com/office/drawing/2014/main" id="{C65E3107-8B67-6240-9007-686C23A65697}"/>
+              </a:ext>
+            </a:extLst>
+          </p:cNvPr>
+          <p:cNvPicPr>
+            <a:picLocks noChangeAspect="1"/>
+          </p:cNvPicPr>
+          <p:nvPr/>
+        </p:nvPicPr>
+        <p:blipFill>
+          <a:blip r:embed="rId2"/>
+          <a:stretch>
+            <a:fillRect/>
+          </a:stretch>
+        </p:blipFill>
+        <p:spPr>
+          <a:xfrm>
+            <a:off x="4975760" y="4259788"/>
+            <a:ext cx="6378039" cy="2366560"/>
+          </a:xfrm>
+          <a:prstGeom prst="rect">
+            <a:avLst/>
+          </a:prstGeom>
+        </p:spPr>
+      </p:pic>
     </p:spTree>
     <p:extLst>
       <p:ext uri="{BB962C8B-B14F-4D97-AF65-F5344CB8AC3E}">
-        <p14:creationId xmlns:p14="http://schemas.microsoft.com/office/powerpoint/2010/main" val="1212234860"/>
+        <p14:creationId xmlns:p14="http://schemas.microsoft.com/office/powerpoint/2010/main" val="3738929896"/>
       </p:ext>
     </p:extLst>
   </p:cSld>
@@ -3968,7 +4067,7 @@
           <p:cNvPr id="2" name="Title 1">
             <a:extLst>
               <a:ext uri="{FF2B5EF4-FFF2-40B4-BE49-F238E27FC236}">
-                <a16:creationId xmlns:a16="http://schemas.microsoft.com/office/drawing/2014/main" id="{13B91DEE-90DF-C74F-9686-95F9A6E1F766}"/>
+                <a16:creationId xmlns:a16="http://schemas.microsoft.com/office/drawing/2014/main" id="{ACD06000-D0E8-E545-A7EC-D83902A4D703}"/>
               </a:ext>
             </a:extLst>
           </p:cNvPr>
@@ -3986,7 +4085,7 @@
           <a:p>
             <a:r>
               <a:rPr lang="en-US" dirty="0"/>
-              <a:t>But you said containers are stateless?</a:t>
+              <a:t>Can I run my database in Docker?</a:t>
             </a:r>
           </a:p>
         </p:txBody>
@@ -3996,7 +4095,7 @@
           <p:cNvPr id="3" name="Content Placeholder 2">
             <a:extLst>
               <a:ext uri="{FF2B5EF4-FFF2-40B4-BE49-F238E27FC236}">
-                <a16:creationId xmlns:a16="http://schemas.microsoft.com/office/drawing/2014/main" id="{8F1160FA-9934-3849-993E-EC45B88A12F1}"/>
+                <a16:creationId xmlns:a16="http://schemas.microsoft.com/office/drawing/2014/main" id="{9C1D3FBB-562E-EA42-885F-D8C86E8656C3}"/>
               </a:ext>
             </a:extLst>
           </p:cNvPr>
@@ -4014,45 +4113,25 @@
           <a:p>
             <a:r>
               <a:rPr lang="en-US" dirty="0"/>
-              <a:t>Where did my data go?</a:t>
-            </a:r>
-          </a:p>
-          <a:p>
-            <a:r>
-              <a:rPr lang="en-US" dirty="0"/>
-              <a:t>Let’s see what we can do about this!</a:t>
-            </a:r>
-          </a:p>
-          <a:p>
-            <a:pPr marL="0" indent="0">
-              <a:buNone/>
-            </a:pPr>
+              <a:t>You sure can! Let’s run one and add some data.</a:t>
+            </a:r>
+            <a:br>
+              <a:rPr lang="en-US" dirty="0"/>
+            </a:br>
             <a:endParaRPr lang="en-US" dirty="0"/>
           </a:p>
           <a:p>
             <a:r>
               <a:rPr lang="en-US" dirty="0"/>
-              <a:t>Volumes</a:t>
-            </a:r>
-          </a:p>
-          <a:p>
-            <a:r>
-              <a:rPr lang="en-US" dirty="0"/>
-              <a:t>Bind Mounts!</a:t>
-            </a:r>
-          </a:p>
-          <a:p>
-            <a:pPr marL="0" indent="0">
-              <a:buNone/>
-            </a:pPr>
-            <a:endParaRPr lang="en-US" dirty="0"/>
+              <a:t>Have you tried turning it off and on again?</a:t>
+            </a:r>
           </a:p>
         </p:txBody>
       </p:sp>
     </p:spTree>
     <p:extLst>
       <p:ext uri="{BB962C8B-B14F-4D97-AF65-F5344CB8AC3E}">
-        <p14:creationId xmlns:p14="http://schemas.microsoft.com/office/powerpoint/2010/main" val="232149632"/>
+        <p14:creationId xmlns:p14="http://schemas.microsoft.com/office/powerpoint/2010/main" val="1212234860"/>
       </p:ext>
     </p:extLst>
   </p:cSld>
@@ -4084,7 +4163,7 @@
           <p:cNvPr id="2" name="Title 1">
             <a:extLst>
               <a:ext uri="{FF2B5EF4-FFF2-40B4-BE49-F238E27FC236}">
-                <a16:creationId xmlns:a16="http://schemas.microsoft.com/office/drawing/2014/main" id="{E4D18A18-1360-B642-BBC1-DDE1632C3098}"/>
+                <a16:creationId xmlns:a16="http://schemas.microsoft.com/office/drawing/2014/main" id="{13B91DEE-90DF-C74F-9686-95F9A6E1F766}"/>
               </a:ext>
             </a:extLst>
           </p:cNvPr>
@@ -4102,7 +4181,7 @@
           <a:p>
             <a:r>
               <a:rPr lang="en-US" dirty="0"/>
-              <a:t>I am building a networked app</a:t>
+              <a:t>But you said containers are stateless?</a:t>
             </a:r>
           </a:p>
         </p:txBody>
@@ -4112,7 +4191,7 @@
           <p:cNvPr id="3" name="Content Placeholder 2">
             <a:extLst>
               <a:ext uri="{FF2B5EF4-FFF2-40B4-BE49-F238E27FC236}">
-                <a16:creationId xmlns:a16="http://schemas.microsoft.com/office/drawing/2014/main" id="{72E4105A-EF42-6E4A-BB42-FCE65AE6CF81}"/>
+                <a16:creationId xmlns:a16="http://schemas.microsoft.com/office/drawing/2014/main" id="{8F1160FA-9934-3849-993E-EC45B88A12F1}"/>
               </a:ext>
             </a:extLst>
           </p:cNvPr>
@@ -4130,21 +4209,45 @@
           <a:p>
             <a:r>
               <a:rPr lang="en-US" dirty="0"/>
-              <a:t>Docker’s got you!</a:t>
-            </a:r>
-          </a:p>
-          <a:p>
-            <a:r>
-              <a:rPr lang="en-US" dirty="0"/>
-              <a:t>You are going to need to run more than 1 container though!</a:t>
-            </a:r>
+              <a:t>Where did my data go?</a:t>
+            </a:r>
+          </a:p>
+          <a:p>
+            <a:r>
+              <a:rPr lang="en-US" dirty="0"/>
+              <a:t>Let’s see what we can do about this!</a:t>
+            </a:r>
+          </a:p>
+          <a:p>
+            <a:pPr marL="0" indent="0">
+              <a:buNone/>
+            </a:pPr>
+            <a:endParaRPr lang="en-US" dirty="0"/>
+          </a:p>
+          <a:p>
+            <a:r>
+              <a:rPr lang="en-US" dirty="0"/>
+              <a:t>Volumes</a:t>
+            </a:r>
+          </a:p>
+          <a:p>
+            <a:r>
+              <a:rPr lang="en-US" dirty="0"/>
+              <a:t>Bind Mounts!</a:t>
+            </a:r>
+          </a:p>
+          <a:p>
+            <a:pPr marL="0" indent="0">
+              <a:buNone/>
+            </a:pPr>
+            <a:endParaRPr lang="en-US" dirty="0"/>
           </a:p>
         </p:txBody>
       </p:sp>
     </p:spTree>
     <p:extLst>
       <p:ext uri="{BB962C8B-B14F-4D97-AF65-F5344CB8AC3E}">
-        <p14:creationId xmlns:p14="http://schemas.microsoft.com/office/powerpoint/2010/main" val="2650041685"/>
+        <p14:creationId xmlns:p14="http://schemas.microsoft.com/office/powerpoint/2010/main" val="232149632"/>
       </p:ext>
     </p:extLst>
   </p:cSld>
@@ -4173,10 +4276,10 @@
       </p:grpSpPr>
       <p:sp>
         <p:nvSpPr>
-          <p:cNvPr id="4" name="Title 3">
-            <a:extLst>
-              <a:ext uri="{FF2B5EF4-FFF2-40B4-BE49-F238E27FC236}">
-                <a16:creationId xmlns:a16="http://schemas.microsoft.com/office/drawing/2014/main" id="{369ED9CD-D562-904B-A907-DC8BF5232C94}"/>
+          <p:cNvPr id="2" name="Title 1">
+            <a:extLst>
+              <a:ext uri="{FF2B5EF4-FFF2-40B4-BE49-F238E27FC236}">
+                <a16:creationId xmlns:a16="http://schemas.microsoft.com/office/drawing/2014/main" id="{E4D18A18-1360-B642-BBC1-DDE1632C3098}"/>
               </a:ext>
             </a:extLst>
           </p:cNvPr>
@@ -4194,17 +4297,17 @@
           <a:p>
             <a:r>
               <a:rPr lang="en-US" dirty="0"/>
-              <a:t>What about security?</a:t>
-            </a:r>
-          </a:p>
-        </p:txBody>
-      </p:sp>
-      <p:sp>
-        <p:nvSpPr>
-          <p:cNvPr id="5" name="Content Placeholder 4">
-            <a:extLst>
-              <a:ext uri="{FF2B5EF4-FFF2-40B4-BE49-F238E27FC236}">
-                <a16:creationId xmlns:a16="http://schemas.microsoft.com/office/drawing/2014/main" id="{59C2E25D-92B7-4A45-8720-2843405D5FA0}"/>
+              <a:t>I am building a networked app</a:t>
+            </a:r>
+          </a:p>
+        </p:txBody>
+      </p:sp>
+      <p:sp>
+        <p:nvSpPr>
+          <p:cNvPr id="3" name="Content Placeholder 2">
+            <a:extLst>
+              <a:ext uri="{FF2B5EF4-FFF2-40B4-BE49-F238E27FC236}">
+                <a16:creationId xmlns:a16="http://schemas.microsoft.com/office/drawing/2014/main" id="{72E4105A-EF42-6E4A-BB42-FCE65AE6CF81}"/>
               </a:ext>
             </a:extLst>
           </p:cNvPr>
@@ -4222,7 +4325,13 @@
           <a:p>
             <a:r>
               <a:rPr lang="en-US" dirty="0"/>
-              <a:t>Let’s try to do something bad.</a:t>
+              <a:t>Docker’s got you!</a:t>
+            </a:r>
+          </a:p>
+          <a:p>
+            <a:r>
+              <a:rPr lang="en-US" dirty="0"/>
+              <a:t>You are going to need to run more than 1 container though!</a:t>
             </a:r>
           </a:p>
         </p:txBody>
@@ -4230,7 +4339,7 @@
     </p:spTree>
     <p:extLst>
       <p:ext uri="{BB962C8B-B14F-4D97-AF65-F5344CB8AC3E}">
-        <p14:creationId xmlns:p14="http://schemas.microsoft.com/office/powerpoint/2010/main" val="1377274931"/>
+        <p14:creationId xmlns:p14="http://schemas.microsoft.com/office/powerpoint/2010/main" val="2650041685"/>
       </p:ext>
     </p:extLst>
   </p:cSld>
@@ -4259,10 +4368,10 @@
       </p:grpSpPr>
       <p:sp>
         <p:nvSpPr>
-          <p:cNvPr id="2" name="Title 1">
-            <a:extLst>
-              <a:ext uri="{FF2B5EF4-FFF2-40B4-BE49-F238E27FC236}">
-                <a16:creationId xmlns:a16="http://schemas.microsoft.com/office/drawing/2014/main" id="{7242360A-2F72-8943-8186-6ADA30B189B3}"/>
+          <p:cNvPr id="4" name="Title 3">
+            <a:extLst>
+              <a:ext uri="{FF2B5EF4-FFF2-40B4-BE49-F238E27FC236}">
+                <a16:creationId xmlns:a16="http://schemas.microsoft.com/office/drawing/2014/main" id="{369ED9CD-D562-904B-A907-DC8BF5232C94}"/>
               </a:ext>
             </a:extLst>
           </p:cNvPr>
@@ -4280,17 +4389,17 @@
           <a:p>
             <a:r>
               <a:rPr lang="en-US" dirty="0"/>
-              <a:t>Container Orchestration</a:t>
-            </a:r>
-          </a:p>
-        </p:txBody>
-      </p:sp>
-      <p:sp>
-        <p:nvSpPr>
-          <p:cNvPr id="3" name="Content Placeholder 2">
-            <a:extLst>
-              <a:ext uri="{FF2B5EF4-FFF2-40B4-BE49-F238E27FC236}">
-                <a16:creationId xmlns:a16="http://schemas.microsoft.com/office/drawing/2014/main" id="{CC45767D-1FA1-354F-8D78-615AB90C47F9}"/>
+              <a:t>What about security?</a:t>
+            </a:r>
+          </a:p>
+        </p:txBody>
+      </p:sp>
+      <p:sp>
+        <p:nvSpPr>
+          <p:cNvPr id="5" name="Content Placeholder 4">
+            <a:extLst>
+              <a:ext uri="{FF2B5EF4-FFF2-40B4-BE49-F238E27FC236}">
+                <a16:creationId xmlns:a16="http://schemas.microsoft.com/office/drawing/2014/main" id="{59C2E25D-92B7-4A45-8720-2843405D5FA0}"/>
               </a:ext>
             </a:extLst>
           </p:cNvPr>
@@ -4308,24 +4417,45 @@
           <a:p>
             <a:r>
               <a:rPr lang="en-US" dirty="0"/>
-              <a:t>Docker Swarm and Kubernetes</a:t>
-            </a:r>
-          </a:p>
-          <a:p>
-            <a:endParaRPr lang="en-US" dirty="0"/>
-          </a:p>
-          <a:p>
-            <a:r>
-              <a:rPr lang="en-US" dirty="0"/>
-              <a:t>A presentation on it’s own but lets introduce the topic briefly.</a:t>
-            </a:r>
-          </a:p>
-        </p:txBody>
-      </p:sp>
+              <a:t>Let’s try to do some bad things.</a:t>
+            </a:r>
+          </a:p>
+        </p:txBody>
+      </p:sp>
+      <p:pic>
+        <p:nvPicPr>
+          <p:cNvPr id="3" name="Picture 2">
+            <a:extLst>
+              <a:ext uri="{FF2B5EF4-FFF2-40B4-BE49-F238E27FC236}">
+                <a16:creationId xmlns:a16="http://schemas.microsoft.com/office/drawing/2014/main" id="{22B5E1DB-5DDC-604A-A2AC-E518345107B6}"/>
+              </a:ext>
+            </a:extLst>
+          </p:cNvPr>
+          <p:cNvPicPr>
+            <a:picLocks noChangeAspect="1"/>
+          </p:cNvPicPr>
+          <p:nvPr/>
+        </p:nvPicPr>
+        <p:blipFill>
+          <a:blip r:embed="rId2"/>
+          <a:stretch>
+            <a:fillRect/>
+          </a:stretch>
+        </p:blipFill>
+        <p:spPr>
+          <a:xfrm>
+            <a:off x="5194300" y="1477963"/>
+            <a:ext cx="6159500" cy="4699000"/>
+          </a:xfrm>
+          <a:prstGeom prst="rect">
+            <a:avLst/>
+          </a:prstGeom>
+        </p:spPr>
+      </p:pic>
     </p:spTree>
     <p:extLst>
       <p:ext uri="{BB962C8B-B14F-4D97-AF65-F5344CB8AC3E}">
-        <p14:creationId xmlns:p14="http://schemas.microsoft.com/office/powerpoint/2010/main" val="328127352"/>
+        <p14:creationId xmlns:p14="http://schemas.microsoft.com/office/powerpoint/2010/main" val="1377274931"/>
       </p:ext>
     </p:extLst>
   </p:cSld>
@@ -4357,7 +4487,7 @@
           <p:cNvPr id="2" name="Title 1">
             <a:extLst>
               <a:ext uri="{FF2B5EF4-FFF2-40B4-BE49-F238E27FC236}">
-                <a16:creationId xmlns:a16="http://schemas.microsoft.com/office/drawing/2014/main" id="{F08920AA-5A7F-D640-BCCC-437802ED600E}"/>
+                <a16:creationId xmlns:a16="http://schemas.microsoft.com/office/drawing/2014/main" id="{B17D73A7-9B46-A34C-81A9-A64117594695}"/>
               </a:ext>
             </a:extLst>
           </p:cNvPr>
@@ -4375,7 +4505,7 @@
           <a:p>
             <a:r>
               <a:rPr lang="en-US" dirty="0"/>
-              <a:t>Features</a:t>
+              <a:t>Testing and Docker</a:t>
             </a:r>
           </a:p>
         </p:txBody>
@@ -4385,7 +4515,7 @@
           <p:cNvPr id="3" name="Content Placeholder 2">
             <a:extLst>
               <a:ext uri="{FF2B5EF4-FFF2-40B4-BE49-F238E27FC236}">
-                <a16:creationId xmlns:a16="http://schemas.microsoft.com/office/drawing/2014/main" id="{CEA7C756-8A20-694A-8FFE-8BCC43E222D7}"/>
+                <a16:creationId xmlns:a16="http://schemas.microsoft.com/office/drawing/2014/main" id="{B5D9B895-FD2A-D24E-99B0-32CC574BED6C}"/>
               </a:ext>
             </a:extLst>
           </p:cNvPr>
@@ -4401,47 +4531,14 @@
           <a:bodyPr/>
           <a:lstStyle/>
           <a:p>
-            <a:r>
-              <a:rPr lang="en-US" dirty="0"/>
-              <a:t>Scaling</a:t>
-            </a:r>
-          </a:p>
-          <a:p>
-            <a:r>
-              <a:rPr lang="en-US" dirty="0"/>
-              <a:t>Health checks and disaster recovery</a:t>
-            </a:r>
-          </a:p>
-          <a:p>
-            <a:r>
-              <a:rPr lang="en-US" dirty="0"/>
-              <a:t>Easy to use networking</a:t>
-            </a:r>
-          </a:p>
-          <a:p>
-            <a:r>
-              <a:rPr lang="en-US" dirty="0"/>
-              <a:t>Load balancing</a:t>
-            </a:r>
-          </a:p>
-          <a:p>
-            <a:r>
-              <a:rPr lang="en-US" dirty="0"/>
-              <a:t>Rolling updates</a:t>
-            </a:r>
-          </a:p>
-          <a:p>
-            <a:endParaRPr lang="en-US" dirty="0"/>
-          </a:p>
-          <a:p>
-            <a:endParaRPr lang="en-US" dirty="0"/>
+            <a:endParaRPr lang="en-US"/>
           </a:p>
         </p:txBody>
       </p:sp>
     </p:spTree>
     <p:extLst>
       <p:ext uri="{BB962C8B-B14F-4D97-AF65-F5344CB8AC3E}">
-        <p14:creationId xmlns:p14="http://schemas.microsoft.com/office/powerpoint/2010/main" val="1479955441"/>
+        <p14:creationId xmlns:p14="http://schemas.microsoft.com/office/powerpoint/2010/main" val="2382877023"/>
       </p:ext>
     </p:extLst>
   </p:cSld>
@@ -4473,7 +4570,7 @@
           <p:cNvPr id="2" name="Title 1">
             <a:extLst>
               <a:ext uri="{FF2B5EF4-FFF2-40B4-BE49-F238E27FC236}">
-                <a16:creationId xmlns:a16="http://schemas.microsoft.com/office/drawing/2014/main" id="{FBD73B9F-1A63-4942-9E47-872399C0BAF0}"/>
+                <a16:creationId xmlns:a16="http://schemas.microsoft.com/office/drawing/2014/main" id="{B2FCBDAF-900F-8B49-B1C9-2B3A0602DB16}"/>
               </a:ext>
             </a:extLst>
           </p:cNvPr>
@@ -4490,8 +4587,8 @@
           <a:lstStyle/>
           <a:p>
             <a:r>
-              <a:rPr lang="en-US" dirty="0"/>
-              <a:t>How can I start using containers?</a:t>
+              <a:rPr lang="en-US"/>
+              <a:t>Distribution Management</a:t>
             </a:r>
           </a:p>
         </p:txBody>
@@ -4501,7 +4598,7 @@
           <p:cNvPr id="3" name="Content Placeholder 2">
             <a:extLst>
               <a:ext uri="{FF2B5EF4-FFF2-40B4-BE49-F238E27FC236}">
-                <a16:creationId xmlns:a16="http://schemas.microsoft.com/office/drawing/2014/main" id="{BD49FE30-2D9C-D449-BEA7-ACF12DBBE913}"/>
+                <a16:creationId xmlns:a16="http://schemas.microsoft.com/office/drawing/2014/main" id="{8821E941-85F9-9F41-BE20-0708AF828921}"/>
               </a:ext>
             </a:extLst>
           </p:cNvPr>
@@ -4517,35 +4614,14 @@
           <a:bodyPr/>
           <a:lstStyle/>
           <a:p>
-            <a:r>
-              <a:rPr lang="en-US" dirty="0"/>
-              <a:t>Run your tests using containers.</a:t>
-            </a:r>
-          </a:p>
-          <a:p>
-            <a:r>
-              <a:rPr lang="en-US" dirty="0"/>
-              <a:t>Run some of your scripts using containers.</a:t>
-            </a:r>
-          </a:p>
-          <a:p>
-            <a:r>
-              <a:rPr lang="en-US" dirty="0"/>
-              <a:t>Put your next app in a container.</a:t>
-            </a:r>
-          </a:p>
-          <a:p>
-            <a:r>
-              <a:rPr lang="en-US" dirty="0"/>
-              <a:t>Do I really need a VM to do this? Try using a container instead.</a:t>
-            </a:r>
+            <a:endParaRPr lang="en-US"/>
           </a:p>
         </p:txBody>
       </p:sp>
     </p:spTree>
     <p:extLst>
       <p:ext uri="{BB962C8B-B14F-4D97-AF65-F5344CB8AC3E}">
-        <p14:creationId xmlns:p14="http://schemas.microsoft.com/office/powerpoint/2010/main" val="2782358817"/>
+        <p14:creationId xmlns:p14="http://schemas.microsoft.com/office/powerpoint/2010/main" val="3708680093"/>
       </p:ext>
     </p:extLst>
   </p:cSld>
@@ -4643,6 +4719,381 @@
 </file>
 
 <file path=ppt/slides/slide20.xml><?xml version="1.0" encoding="utf-8"?>
+<p:sld xmlns:a="http://schemas.openxmlformats.org/drawingml/2006/main" xmlns:r="http://schemas.openxmlformats.org/officeDocument/2006/relationships" xmlns:p="http://schemas.openxmlformats.org/presentationml/2006/main">
+  <p:cSld>
+    <p:spTree>
+      <p:nvGrpSpPr>
+        <p:cNvPr id="1" name=""/>
+        <p:cNvGrpSpPr/>
+        <p:nvPr/>
+      </p:nvGrpSpPr>
+      <p:grpSpPr>
+        <a:xfrm>
+          <a:off x="0" y="0"/>
+          <a:ext cx="0" cy="0"/>
+          <a:chOff x="0" y="0"/>
+          <a:chExt cx="0" cy="0"/>
+        </a:xfrm>
+      </p:grpSpPr>
+      <p:sp>
+        <p:nvSpPr>
+          <p:cNvPr id="2" name="Title 1">
+            <a:extLst>
+              <a:ext uri="{FF2B5EF4-FFF2-40B4-BE49-F238E27FC236}">
+                <a16:creationId xmlns:a16="http://schemas.microsoft.com/office/drawing/2014/main" id="{7242360A-2F72-8943-8186-6ADA30B189B3}"/>
+              </a:ext>
+            </a:extLst>
+          </p:cNvPr>
+          <p:cNvSpPr>
+            <a:spLocks noGrp="1"/>
+          </p:cNvSpPr>
+          <p:nvPr>
+            <p:ph type="title"/>
+          </p:nvPr>
+        </p:nvSpPr>
+        <p:spPr/>
+        <p:txBody>
+          <a:bodyPr/>
+          <a:lstStyle/>
+          <a:p>
+            <a:r>
+              <a:rPr lang="en-US" dirty="0"/>
+              <a:t>Container Orchestration</a:t>
+            </a:r>
+          </a:p>
+        </p:txBody>
+      </p:sp>
+      <p:sp>
+        <p:nvSpPr>
+          <p:cNvPr id="3" name="Content Placeholder 2">
+            <a:extLst>
+              <a:ext uri="{FF2B5EF4-FFF2-40B4-BE49-F238E27FC236}">
+                <a16:creationId xmlns:a16="http://schemas.microsoft.com/office/drawing/2014/main" id="{CC45767D-1FA1-354F-8D78-615AB90C47F9}"/>
+              </a:ext>
+            </a:extLst>
+          </p:cNvPr>
+          <p:cNvSpPr>
+            <a:spLocks noGrp="1"/>
+          </p:cNvSpPr>
+          <p:nvPr>
+            <p:ph idx="1"/>
+          </p:nvPr>
+        </p:nvSpPr>
+        <p:spPr/>
+        <p:txBody>
+          <a:bodyPr/>
+          <a:lstStyle/>
+          <a:p>
+            <a:r>
+              <a:rPr lang="en-US" dirty="0"/>
+              <a:t>Docker Swarm and Kubernetes</a:t>
+            </a:r>
+          </a:p>
+          <a:p>
+            <a:endParaRPr lang="en-US" dirty="0"/>
+          </a:p>
+          <a:p>
+            <a:r>
+              <a:rPr lang="en-US" dirty="0"/>
+              <a:t>A presentation on it’s own but lets introduce the topic briefly. TODO CHEATSHEET</a:t>
+            </a:r>
+          </a:p>
+        </p:txBody>
+      </p:sp>
+      <p:pic>
+        <p:nvPicPr>
+          <p:cNvPr id="7" name="Picture 6">
+            <a:extLst>
+              <a:ext uri="{FF2B5EF4-FFF2-40B4-BE49-F238E27FC236}">
+                <a16:creationId xmlns:a16="http://schemas.microsoft.com/office/drawing/2014/main" id="{57B30252-8E78-7241-9E9A-A463BF330466}"/>
+              </a:ext>
+            </a:extLst>
+          </p:cNvPr>
+          <p:cNvPicPr>
+            <a:picLocks noChangeAspect="1"/>
+          </p:cNvPicPr>
+          <p:nvPr/>
+        </p:nvPicPr>
+        <p:blipFill>
+          <a:blip r:embed="rId2"/>
+          <a:stretch>
+            <a:fillRect/>
+          </a:stretch>
+        </p:blipFill>
+        <p:spPr>
+          <a:xfrm>
+            <a:off x="5498275" y="3323088"/>
+            <a:ext cx="6104906" cy="3086369"/>
+          </a:xfrm>
+          <a:prstGeom prst="rect">
+            <a:avLst/>
+          </a:prstGeom>
+        </p:spPr>
+      </p:pic>
+      <p:pic>
+        <p:nvPicPr>
+          <p:cNvPr id="9" name="Picture 8">
+            <a:extLst>
+              <a:ext uri="{FF2B5EF4-FFF2-40B4-BE49-F238E27FC236}">
+                <a16:creationId xmlns:a16="http://schemas.microsoft.com/office/drawing/2014/main" id="{2D02001D-D49F-3048-9296-74BF17FF1E92}"/>
+              </a:ext>
+            </a:extLst>
+          </p:cNvPr>
+          <p:cNvPicPr>
+            <a:picLocks noChangeAspect="1"/>
+          </p:cNvPicPr>
+          <p:nvPr/>
+        </p:nvPicPr>
+        <p:blipFill>
+          <a:blip r:embed="rId3"/>
+          <a:stretch>
+            <a:fillRect/>
+          </a:stretch>
+        </p:blipFill>
+        <p:spPr>
+          <a:xfrm>
+            <a:off x="2200894" y="3710573"/>
+            <a:ext cx="3048000" cy="2311400"/>
+          </a:xfrm>
+          <a:prstGeom prst="rect">
+            <a:avLst/>
+          </a:prstGeom>
+        </p:spPr>
+      </p:pic>
+    </p:spTree>
+    <p:extLst>
+      <p:ext uri="{BB962C8B-B14F-4D97-AF65-F5344CB8AC3E}">
+        <p14:creationId xmlns:p14="http://schemas.microsoft.com/office/powerpoint/2010/main" val="328127352"/>
+      </p:ext>
+    </p:extLst>
+  </p:cSld>
+  <p:clrMapOvr>
+    <a:masterClrMapping/>
+  </p:clrMapOvr>
+</p:sld>
+</file>
+
+<file path=ppt/slides/slide21.xml><?xml version="1.0" encoding="utf-8"?>
+<p:sld xmlns:a="http://schemas.openxmlformats.org/drawingml/2006/main" xmlns:r="http://schemas.openxmlformats.org/officeDocument/2006/relationships" xmlns:p="http://schemas.openxmlformats.org/presentationml/2006/main">
+  <p:cSld>
+    <p:spTree>
+      <p:nvGrpSpPr>
+        <p:cNvPr id="1" name=""/>
+        <p:cNvGrpSpPr/>
+        <p:nvPr/>
+      </p:nvGrpSpPr>
+      <p:grpSpPr>
+        <a:xfrm>
+          <a:off x="0" y="0"/>
+          <a:ext cx="0" cy="0"/>
+          <a:chOff x="0" y="0"/>
+          <a:chExt cx="0" cy="0"/>
+        </a:xfrm>
+      </p:grpSpPr>
+      <p:sp>
+        <p:nvSpPr>
+          <p:cNvPr id="2" name="Title 1">
+            <a:extLst>
+              <a:ext uri="{FF2B5EF4-FFF2-40B4-BE49-F238E27FC236}">
+                <a16:creationId xmlns:a16="http://schemas.microsoft.com/office/drawing/2014/main" id="{F08920AA-5A7F-D640-BCCC-437802ED600E}"/>
+              </a:ext>
+            </a:extLst>
+          </p:cNvPr>
+          <p:cNvSpPr>
+            <a:spLocks noGrp="1"/>
+          </p:cNvSpPr>
+          <p:nvPr>
+            <p:ph type="title"/>
+          </p:nvPr>
+        </p:nvSpPr>
+        <p:spPr/>
+        <p:txBody>
+          <a:bodyPr/>
+          <a:lstStyle/>
+          <a:p>
+            <a:r>
+              <a:rPr lang="en-US" dirty="0"/>
+              <a:t>Features</a:t>
+            </a:r>
+          </a:p>
+        </p:txBody>
+      </p:sp>
+      <p:sp>
+        <p:nvSpPr>
+          <p:cNvPr id="3" name="Content Placeholder 2">
+            <a:extLst>
+              <a:ext uri="{FF2B5EF4-FFF2-40B4-BE49-F238E27FC236}">
+                <a16:creationId xmlns:a16="http://schemas.microsoft.com/office/drawing/2014/main" id="{CEA7C756-8A20-694A-8FFE-8BCC43E222D7}"/>
+              </a:ext>
+            </a:extLst>
+          </p:cNvPr>
+          <p:cNvSpPr>
+            <a:spLocks noGrp="1"/>
+          </p:cNvSpPr>
+          <p:nvPr>
+            <p:ph idx="1"/>
+          </p:nvPr>
+        </p:nvSpPr>
+        <p:spPr/>
+        <p:txBody>
+          <a:bodyPr/>
+          <a:lstStyle/>
+          <a:p>
+            <a:r>
+              <a:rPr lang="en-US" dirty="0"/>
+              <a:t>Scaling</a:t>
+            </a:r>
+          </a:p>
+          <a:p>
+            <a:r>
+              <a:rPr lang="en-US" dirty="0"/>
+              <a:t>Health checks and disaster recovery</a:t>
+            </a:r>
+          </a:p>
+          <a:p>
+            <a:r>
+              <a:rPr lang="en-US" dirty="0"/>
+              <a:t>Easy to use networking</a:t>
+            </a:r>
+          </a:p>
+          <a:p>
+            <a:r>
+              <a:rPr lang="en-US" dirty="0"/>
+              <a:t>Load balancing</a:t>
+            </a:r>
+          </a:p>
+          <a:p>
+            <a:r>
+              <a:rPr lang="en-US" dirty="0"/>
+              <a:t>Rolling updates</a:t>
+            </a:r>
+          </a:p>
+          <a:p>
+            <a:endParaRPr lang="en-US" dirty="0"/>
+          </a:p>
+          <a:p>
+            <a:endParaRPr lang="en-US" dirty="0"/>
+          </a:p>
+        </p:txBody>
+      </p:sp>
+    </p:spTree>
+    <p:extLst>
+      <p:ext uri="{BB962C8B-B14F-4D97-AF65-F5344CB8AC3E}">
+        <p14:creationId xmlns:p14="http://schemas.microsoft.com/office/powerpoint/2010/main" val="1479955441"/>
+      </p:ext>
+    </p:extLst>
+  </p:cSld>
+  <p:clrMapOvr>
+    <a:masterClrMapping/>
+  </p:clrMapOvr>
+</p:sld>
+</file>
+
+<file path=ppt/slides/slide22.xml><?xml version="1.0" encoding="utf-8"?>
+<p:sld xmlns:a="http://schemas.openxmlformats.org/drawingml/2006/main" xmlns:r="http://schemas.openxmlformats.org/officeDocument/2006/relationships" xmlns:p="http://schemas.openxmlformats.org/presentationml/2006/main">
+  <p:cSld>
+    <p:spTree>
+      <p:nvGrpSpPr>
+        <p:cNvPr id="1" name=""/>
+        <p:cNvGrpSpPr/>
+        <p:nvPr/>
+      </p:nvGrpSpPr>
+      <p:grpSpPr>
+        <a:xfrm>
+          <a:off x="0" y="0"/>
+          <a:ext cx="0" cy="0"/>
+          <a:chOff x="0" y="0"/>
+          <a:chExt cx="0" cy="0"/>
+        </a:xfrm>
+      </p:grpSpPr>
+      <p:sp>
+        <p:nvSpPr>
+          <p:cNvPr id="2" name="Title 1">
+            <a:extLst>
+              <a:ext uri="{FF2B5EF4-FFF2-40B4-BE49-F238E27FC236}">
+                <a16:creationId xmlns:a16="http://schemas.microsoft.com/office/drawing/2014/main" id="{FBD73B9F-1A63-4942-9E47-872399C0BAF0}"/>
+              </a:ext>
+            </a:extLst>
+          </p:cNvPr>
+          <p:cNvSpPr>
+            <a:spLocks noGrp="1"/>
+          </p:cNvSpPr>
+          <p:nvPr>
+            <p:ph type="title"/>
+          </p:nvPr>
+        </p:nvSpPr>
+        <p:spPr/>
+        <p:txBody>
+          <a:bodyPr/>
+          <a:lstStyle/>
+          <a:p>
+            <a:r>
+              <a:rPr lang="en-US" dirty="0"/>
+              <a:t>How can I start using containers?</a:t>
+            </a:r>
+          </a:p>
+        </p:txBody>
+      </p:sp>
+      <p:sp>
+        <p:nvSpPr>
+          <p:cNvPr id="3" name="Content Placeholder 2">
+            <a:extLst>
+              <a:ext uri="{FF2B5EF4-FFF2-40B4-BE49-F238E27FC236}">
+                <a16:creationId xmlns:a16="http://schemas.microsoft.com/office/drawing/2014/main" id="{BD49FE30-2D9C-D449-BEA7-ACF12DBBE913}"/>
+              </a:ext>
+            </a:extLst>
+          </p:cNvPr>
+          <p:cNvSpPr>
+            <a:spLocks noGrp="1"/>
+          </p:cNvSpPr>
+          <p:nvPr>
+            <p:ph idx="1"/>
+          </p:nvPr>
+        </p:nvSpPr>
+        <p:spPr/>
+        <p:txBody>
+          <a:bodyPr/>
+          <a:lstStyle/>
+          <a:p>
+            <a:r>
+              <a:rPr lang="en-US" dirty="0"/>
+              <a:t>Run your tests using containers.</a:t>
+            </a:r>
+          </a:p>
+          <a:p>
+            <a:r>
+              <a:rPr lang="en-US" dirty="0"/>
+              <a:t>Run some of your scripts using containers.</a:t>
+            </a:r>
+          </a:p>
+          <a:p>
+            <a:r>
+              <a:rPr lang="en-US" dirty="0"/>
+              <a:t>Put your next app/project in a container.</a:t>
+            </a:r>
+          </a:p>
+          <a:p>
+            <a:r>
+              <a:rPr lang="en-US" dirty="0"/>
+              <a:t>Do I really need a VM to do this? Try using a container instead.</a:t>
+            </a:r>
+          </a:p>
+        </p:txBody>
+      </p:sp>
+    </p:spTree>
+    <p:extLst>
+      <p:ext uri="{BB962C8B-B14F-4D97-AF65-F5344CB8AC3E}">
+        <p14:creationId xmlns:p14="http://schemas.microsoft.com/office/powerpoint/2010/main" val="2782358817"/>
+      </p:ext>
+    </p:extLst>
+  </p:cSld>
+  <p:clrMapOvr>
+    <a:masterClrMapping/>
+  </p:clrMapOvr>
+</p:sld>
+</file>
+
+<file path=ppt/slides/slide23.xml><?xml version="1.0" encoding="utf-8"?>
 <p:sld xmlns:a="http://schemas.openxmlformats.org/drawingml/2006/main" xmlns:r="http://schemas.openxmlformats.org/officeDocument/2006/relationships" xmlns:p="http://schemas.openxmlformats.org/presentationml/2006/main">
   <p:cSld>
     <p:spTree>
@@ -5813,7 +6264,7 @@
           <a:p>
             <a:r>
               <a:rPr lang="en-US" dirty="0"/>
-              <a:t>When we introduce a few containers to break up that monolith we can jump into service based architecture.</a:t>
+              <a:t>When we introduce a few containers to break up that monolith we can jump into service based architecture first.</a:t>
             </a:r>
           </a:p>
           <a:p>
@@ -5900,7 +6351,9 @@
         </p:nvSpPr>
         <p:spPr/>
         <p:txBody>
-          <a:bodyPr/>
+          <a:bodyPr>
+            <a:normAutofit lnSpcReduction="10000"/>
+          </a:bodyPr>
           <a:lstStyle/>
           <a:p>
             <a:r>
@@ -5929,11 +6382,47 @@
           <a:p>
             <a:r>
               <a:rPr lang="en-US" dirty="0"/>
+              <a:t>Isolation even involves disk, networking, permissions, and other system resources such as memory.</a:t>
+            </a:r>
+          </a:p>
+          <a:p>
+            <a:r>
+              <a:rPr lang="en-US" dirty="0"/>
               <a:t>Portable, lightweight, and secure.</a:t>
             </a:r>
           </a:p>
         </p:txBody>
       </p:sp>
+      <p:pic>
+        <p:nvPicPr>
+          <p:cNvPr id="5" name="Picture 4">
+            <a:extLst>
+              <a:ext uri="{FF2B5EF4-FFF2-40B4-BE49-F238E27FC236}">
+                <a16:creationId xmlns:a16="http://schemas.microsoft.com/office/drawing/2014/main" id="{EE4801B8-45CC-3C4B-A95B-176EBED36F5C}"/>
+              </a:ext>
+            </a:extLst>
+          </p:cNvPr>
+          <p:cNvPicPr>
+            <a:picLocks noChangeAspect="1"/>
+          </p:cNvPicPr>
+          <p:nvPr/>
+        </p:nvPicPr>
+        <p:blipFill>
+          <a:blip r:embed="rId2"/>
+          <a:stretch>
+            <a:fillRect/>
+          </a:stretch>
+        </p:blipFill>
+        <p:spPr>
+          <a:xfrm>
+            <a:off x="8823367" y="397575"/>
+            <a:ext cx="2530434" cy="1973475"/>
+          </a:xfrm>
+          <a:prstGeom prst="rect">
+            <a:avLst/>
+          </a:prstGeom>
+        </p:spPr>
+      </p:pic>
     </p:spTree>
     <p:extLst>
       <p:ext uri="{BB962C8B-B14F-4D97-AF65-F5344CB8AC3E}">

--- a/docker-intro-presentation.pptx
+++ b/docker-intro-presentation.pptx
@@ -282,7 +282,7 @@
             <a:fld id="{5586B75A-687E-405C-8A0B-8D00578BA2C3}" type="datetimeFigureOut">
               <a:rPr lang="en-US" smtClean="0"/>
               <a:pPr/>
-              <a:t>5/14/19</a:t>
+              <a:t>5/15/19</a:t>
             </a:fld>
             <a:endParaRPr lang="en-US" dirty="0"/>
           </a:p>
@@ -482,7 +482,7 @@
             <a:fld id="{5586B75A-687E-405C-8A0B-8D00578BA2C3}" type="datetimeFigureOut">
               <a:rPr lang="en-US" smtClean="0"/>
               <a:pPr/>
-              <a:t>5/14/19</a:t>
+              <a:t>5/15/19</a:t>
             </a:fld>
             <a:endParaRPr lang="en-US" dirty="0"/>
           </a:p>
@@ -692,7 +692,7 @@
             <a:fld id="{5586B75A-687E-405C-8A0B-8D00578BA2C3}" type="datetimeFigureOut">
               <a:rPr lang="en-US" smtClean="0"/>
               <a:pPr/>
-              <a:t>5/14/19</a:t>
+              <a:t>5/15/19</a:t>
             </a:fld>
             <a:endParaRPr lang="en-US" dirty="0"/>
           </a:p>
@@ -892,7 +892,7 @@
             <a:fld id="{5586B75A-687E-405C-8A0B-8D00578BA2C3}" type="datetimeFigureOut">
               <a:rPr lang="en-US" smtClean="0"/>
               <a:pPr/>
-              <a:t>5/14/19</a:t>
+              <a:t>5/15/19</a:t>
             </a:fld>
             <a:endParaRPr lang="en-US" dirty="0"/>
           </a:p>
@@ -1169,7 +1169,7 @@
             <a:fld id="{5586B75A-687E-405C-8A0B-8D00578BA2C3}" type="datetimeFigureOut">
               <a:rPr lang="en-US" smtClean="0"/>
               <a:pPr/>
-              <a:t>5/14/19</a:t>
+              <a:t>5/15/19</a:t>
             </a:fld>
             <a:endParaRPr lang="en-US" dirty="0"/>
           </a:p>
@@ -1436,7 +1436,7 @@
             <a:fld id="{5586B75A-687E-405C-8A0B-8D00578BA2C3}" type="datetimeFigureOut">
               <a:rPr lang="en-US" smtClean="0"/>
               <a:pPr/>
-              <a:t>5/14/19</a:t>
+              <a:t>5/15/19</a:t>
             </a:fld>
             <a:endParaRPr lang="en-US" dirty="0"/>
           </a:p>
@@ -1850,7 +1850,7 @@
             <a:fld id="{5586B75A-687E-405C-8A0B-8D00578BA2C3}" type="datetimeFigureOut">
               <a:rPr lang="en-US" smtClean="0"/>
               <a:pPr/>
-              <a:t>5/14/19</a:t>
+              <a:t>5/15/19</a:t>
             </a:fld>
             <a:endParaRPr lang="en-US" dirty="0"/>
           </a:p>
@@ -1993,7 +1993,7 @@
             <a:fld id="{5586B75A-687E-405C-8A0B-8D00578BA2C3}" type="datetimeFigureOut">
               <a:rPr lang="en-US" smtClean="0"/>
               <a:pPr/>
-              <a:t>5/14/19</a:t>
+              <a:t>5/15/19</a:t>
             </a:fld>
             <a:endParaRPr lang="en-US" dirty="0"/>
           </a:p>
@@ -2108,7 +2108,7 @@
             <a:fld id="{5586B75A-687E-405C-8A0B-8D00578BA2C3}" type="datetimeFigureOut">
               <a:rPr lang="en-US" smtClean="0"/>
               <a:pPr/>
-              <a:t>5/14/19</a:t>
+              <a:t>5/15/19</a:t>
             </a:fld>
             <a:endParaRPr lang="en-US" dirty="0"/>
           </a:p>
@@ -2421,7 +2421,7 @@
             <a:fld id="{5586B75A-687E-405C-8A0B-8D00578BA2C3}" type="datetimeFigureOut">
               <a:rPr lang="en-US" smtClean="0"/>
               <a:pPr/>
-              <a:t>5/14/19</a:t>
+              <a:t>5/15/19</a:t>
             </a:fld>
             <a:endParaRPr lang="en-US" dirty="0"/>
           </a:p>
@@ -2711,7 +2711,7 @@
             <a:fld id="{5586B75A-687E-405C-8A0B-8D00578BA2C3}" type="datetimeFigureOut">
               <a:rPr lang="en-US" smtClean="0"/>
               <a:pPr/>
-              <a:t>5/14/19</a:t>
+              <a:t>5/15/19</a:t>
             </a:fld>
             <a:endParaRPr lang="en-US" dirty="0"/>
           </a:p>
@@ -2954,7 +2954,7 @@
             <a:fld id="{5586B75A-687E-405C-8A0B-8D00578BA2C3}" type="datetimeFigureOut">
               <a:rPr lang="en-US" smtClean="0"/>
               <a:pPr/>
-              <a:t>5/14/19</a:t>
+              <a:t>5/15/19</a:t>
             </a:fld>
             <a:endParaRPr lang="en-US" dirty="0"/>
           </a:p>
@@ -4128,6 +4128,36 @@
           </a:p>
         </p:txBody>
       </p:sp>
+      <p:pic>
+        <p:nvPicPr>
+          <p:cNvPr id="5" name="Picture 4">
+            <a:extLst>
+              <a:ext uri="{FF2B5EF4-FFF2-40B4-BE49-F238E27FC236}">
+                <a16:creationId xmlns:a16="http://schemas.microsoft.com/office/drawing/2014/main" id="{162802B5-48EE-0249-872C-0C44C2C1326A}"/>
+              </a:ext>
+            </a:extLst>
+          </p:cNvPr>
+          <p:cNvPicPr>
+            <a:picLocks noChangeAspect="1"/>
+          </p:cNvPicPr>
+          <p:nvPr/>
+        </p:nvPicPr>
+        <p:blipFill>
+          <a:blip r:embed="rId2"/>
+          <a:stretch>
+            <a:fillRect/>
+          </a:stretch>
+        </p:blipFill>
+        <p:spPr>
+          <a:xfrm>
+            <a:off x="7517081" y="2647182"/>
+            <a:ext cx="3836719" cy="3529781"/>
+          </a:xfrm>
+          <a:prstGeom prst="rect">
+            <a:avLst/>
+          </a:prstGeom>
+        </p:spPr>
+      </p:pic>
     </p:spTree>
     <p:extLst>
       <p:ext uri="{BB962C8B-B14F-4D97-AF65-F5344CB8AC3E}">
@@ -4244,6 +4274,36 @@
           </a:p>
         </p:txBody>
       </p:sp>
+      <p:pic>
+        <p:nvPicPr>
+          <p:cNvPr id="5" name="Picture 4">
+            <a:extLst>
+              <a:ext uri="{FF2B5EF4-FFF2-40B4-BE49-F238E27FC236}">
+                <a16:creationId xmlns:a16="http://schemas.microsoft.com/office/drawing/2014/main" id="{D6578342-A14A-4F41-B786-573398807965}"/>
+              </a:ext>
+            </a:extLst>
+          </p:cNvPr>
+          <p:cNvPicPr>
+            <a:picLocks noChangeAspect="1"/>
+          </p:cNvPicPr>
+          <p:nvPr/>
+        </p:nvPicPr>
+        <p:blipFill>
+          <a:blip r:embed="rId2"/>
+          <a:stretch>
+            <a:fillRect/>
+          </a:stretch>
+        </p:blipFill>
+        <p:spPr>
+          <a:xfrm>
+            <a:off x="7600208" y="2558308"/>
+            <a:ext cx="3753592" cy="3753592"/>
+          </a:xfrm>
+          <a:prstGeom prst="rect">
+            <a:avLst/>
+          </a:prstGeom>
+        </p:spPr>
+      </p:pic>
     </p:spTree>
     <p:extLst>
       <p:ext uri="{BB962C8B-B14F-4D97-AF65-F5344CB8AC3E}">
@@ -4332,6 +4392,12 @@
             <a:r>
               <a:rPr lang="en-US" dirty="0"/>
               <a:t>You are going to need to run more than 1 container though!</a:t>
+            </a:r>
+          </a:p>
+          <a:p>
+            <a:r>
+              <a:rPr lang="en-US" dirty="0"/>
+              <a:t>Let’s look at docker-compose.</a:t>
             </a:r>
           </a:p>
         </p:txBody>
@@ -6388,7 +6454,7 @@
           <a:p>
             <a:r>
               <a:rPr lang="en-US" dirty="0"/>
-              <a:t>Portable, lightweight, and secure.</a:t>
+              <a:t>Portable , stateless, lightweight on resources, and secure.</a:t>
             </a:r>
           </a:p>
         </p:txBody>

--- a/docker-intro-presentation.pptx
+++ b/docker-intro-presentation.pptx
@@ -4211,7 +4211,7 @@
           <a:p>
             <a:r>
               <a:rPr lang="en-US" dirty="0"/>
-              <a:t>But you said containers are stateless?</a:t>
+              <a:t>But you said containers are stateless…</a:t>
             </a:r>
           </a:p>
         </p:txBody>
@@ -4402,6 +4402,66 @@
           </a:p>
         </p:txBody>
       </p:sp>
+      <p:pic>
+        <p:nvPicPr>
+          <p:cNvPr id="5" name="Picture 4">
+            <a:extLst>
+              <a:ext uri="{FF2B5EF4-FFF2-40B4-BE49-F238E27FC236}">
+                <a16:creationId xmlns:a16="http://schemas.microsoft.com/office/drawing/2014/main" id="{7745D460-E553-0D40-AACA-BD848BE114AE}"/>
+              </a:ext>
+            </a:extLst>
+          </p:cNvPr>
+          <p:cNvPicPr>
+            <a:picLocks noChangeAspect="1"/>
+          </p:cNvPicPr>
+          <p:nvPr/>
+        </p:nvPicPr>
+        <p:blipFill>
+          <a:blip r:embed="rId2"/>
+          <a:stretch>
+            <a:fillRect/>
+          </a:stretch>
+        </p:blipFill>
+        <p:spPr>
+          <a:xfrm>
+            <a:off x="6673933" y="2795649"/>
+            <a:ext cx="3717966" cy="3717966"/>
+          </a:xfrm>
+          <a:prstGeom prst="rect">
+            <a:avLst/>
+          </a:prstGeom>
+        </p:spPr>
+      </p:pic>
+      <p:pic>
+        <p:nvPicPr>
+          <p:cNvPr id="7" name="Picture 6">
+            <a:extLst>
+              <a:ext uri="{FF2B5EF4-FFF2-40B4-BE49-F238E27FC236}">
+                <a16:creationId xmlns:a16="http://schemas.microsoft.com/office/drawing/2014/main" id="{76991E36-788B-9440-9F77-E20CE7FF9F6F}"/>
+              </a:ext>
+            </a:extLst>
+          </p:cNvPr>
+          <p:cNvPicPr>
+            <a:picLocks noChangeAspect="1"/>
+          </p:cNvPicPr>
+          <p:nvPr/>
+        </p:nvPicPr>
+        <p:blipFill>
+          <a:blip r:embed="rId3"/>
+          <a:stretch>
+            <a:fillRect/>
+          </a:stretch>
+        </p:blipFill>
+        <p:spPr>
+          <a:xfrm>
+            <a:off x="1886528" y="3431015"/>
+            <a:ext cx="2519218" cy="2745948"/>
+          </a:xfrm>
+          <a:prstGeom prst="rect">
+            <a:avLst/>
+          </a:prstGeom>
+        </p:spPr>
+      </p:pic>
     </p:spTree>
     <p:extLst>
       <p:ext uri="{BB962C8B-B14F-4D97-AF65-F5344CB8AC3E}">

--- a/docker-intro-presentation.pptx
+++ b/docker-intro-presentation.pptx
@@ -24,10 +24,11 @@
     <p:sldId id="272" r:id="rId18"/>
     <p:sldId id="277" r:id="rId19"/>
     <p:sldId id="278" r:id="rId20"/>
-    <p:sldId id="274" r:id="rId21"/>
-    <p:sldId id="275" r:id="rId22"/>
-    <p:sldId id="271" r:id="rId23"/>
-    <p:sldId id="273" r:id="rId24"/>
+    <p:sldId id="279" r:id="rId21"/>
+    <p:sldId id="274" r:id="rId22"/>
+    <p:sldId id="275" r:id="rId23"/>
+    <p:sldId id="271" r:id="rId24"/>
+    <p:sldId id="273" r:id="rId25"/>
   </p:sldIdLst>
   <p:sldSz cx="12192000" cy="6858000"/>
   <p:notesSz cx="6858000" cy="9144000"/>
@@ -3724,6 +3725,13 @@
               <a:rPr lang="en-US" dirty="0"/>
               <a:t>Portability and reproducibility make client deliverables easy to handle.</a:t>
             </a:r>
+            <a:br>
+              <a:rPr lang="en-US" dirty="0"/>
+            </a:br>
+            <a:r>
+              <a:rPr lang="en-US" dirty="0"/>
+              <a:t>(weeks with some on site to a few hours over the phone)</a:t>
+            </a:r>
           </a:p>
           <a:p>
             <a:r>
@@ -3972,7 +3980,7 @@
           <a:p>
             <a:r>
               <a:rPr lang="en-US" dirty="0"/>
-              <a:t>How do images store data. Wouldn’t packaging a whole OS and creating many containers on a system use up a lot disk space?</a:t>
+              <a:t>How do images store data. Wouldn’t packaging a whole OS and many containers on a system use up a lot disk space? Layering and overlay.</a:t>
             </a:r>
           </a:p>
           <a:p>
@@ -4026,6 +4034,36 @@
           <a:xfrm>
             <a:off x="4975760" y="4259788"/>
             <a:ext cx="6378039" cy="2366560"/>
+          </a:xfrm>
+          <a:prstGeom prst="rect">
+            <a:avLst/>
+          </a:prstGeom>
+        </p:spPr>
+      </p:pic>
+      <p:pic>
+        <p:nvPicPr>
+          <p:cNvPr id="6" name="Picture 5">
+            <a:extLst>
+              <a:ext uri="{FF2B5EF4-FFF2-40B4-BE49-F238E27FC236}">
+                <a16:creationId xmlns:a16="http://schemas.microsoft.com/office/drawing/2014/main" id="{EBB69E1E-1E71-AF42-9DEB-5A2B40F5B1DF}"/>
+              </a:ext>
+            </a:extLst>
+          </p:cNvPr>
+          <p:cNvPicPr>
+            <a:picLocks noChangeAspect="1"/>
+          </p:cNvPicPr>
+          <p:nvPr/>
+        </p:nvPicPr>
+        <p:blipFill>
+          <a:blip r:embed="rId3"/>
+          <a:stretch>
+            <a:fillRect/>
+          </a:stretch>
+        </p:blipFill>
+        <p:spPr>
+          <a:xfrm>
+            <a:off x="6721434" y="1113890"/>
+            <a:ext cx="5140366" cy="1313397"/>
           </a:xfrm>
           <a:prstGeom prst="rect">
             <a:avLst/>
@@ -4515,7 +4553,7 @@
           <a:p>
             <a:r>
               <a:rPr lang="en-US" dirty="0"/>
-              <a:t>What about security?</a:t>
+              <a:t>Some extra notes!</a:t>
             </a:r>
           </a:p>
         </p:txBody>
@@ -4543,8 +4581,31 @@
           <a:p>
             <a:r>
               <a:rPr lang="en-US" dirty="0"/>
-              <a:t>Let’s try to do some bad things.</a:t>
-            </a:r>
+              <a:t>What was that wait-for-</a:t>
+            </a:r>
+            <a:r>
+              <a:rPr lang="en-US" dirty="0" err="1"/>
+              <a:t>it.sh</a:t>
+            </a:r>
+            <a:r>
+              <a:rPr lang="en-US" dirty="0"/>
+              <a:t> script?</a:t>
+            </a:r>
+          </a:p>
+          <a:p>
+            <a:r>
+              <a:rPr lang="en-US" dirty="0"/>
+              <a:t>You would have a hard time breaking things.</a:t>
+            </a:r>
+          </a:p>
+          <a:p>
+            <a:r>
+              <a:rPr lang="en-US" dirty="0"/>
+              <a:t>You can set up multiple networks.</a:t>
+            </a:r>
+          </a:p>
+          <a:p>
+            <a:endParaRPr lang="en-US" dirty="0"/>
           </a:p>
         </p:txBody>
       </p:sp>
@@ -4570,8 +4631,8 @@
         </p:blipFill>
         <p:spPr>
           <a:xfrm>
-            <a:off x="5194300" y="1477963"/>
-            <a:ext cx="6159500" cy="4699000"/>
+            <a:off x="5763144" y="1911927"/>
+            <a:ext cx="5590655" cy="4265036"/>
           </a:xfrm>
           <a:prstGeom prst="rect">
             <a:avLst/>
@@ -4657,10 +4718,61 @@
           <a:bodyPr/>
           <a:lstStyle/>
           <a:p>
-            <a:endParaRPr lang="en-US"/>
-          </a:p>
-        </p:txBody>
-      </p:sp>
+            <a:r>
+              <a:rPr lang="en-US" dirty="0"/>
+              <a:t>You should no longer need to set up a whole environment to test.</a:t>
+            </a:r>
+          </a:p>
+          <a:p>
+            <a:r>
+              <a:rPr lang="en-US" dirty="0"/>
+              <a:t>You don’t need to test against remote servers.</a:t>
+            </a:r>
+          </a:p>
+          <a:p>
+            <a:r>
+              <a:rPr lang="en-US" dirty="0"/>
+              <a:t>You don’t need to test using embedded databases.</a:t>
+            </a:r>
+          </a:p>
+          <a:p>
+            <a:r>
+              <a:rPr lang="en-US" dirty="0"/>
+              <a:t>You can use the same container you will use in production thus having more faithful tests.</a:t>
+            </a:r>
+          </a:p>
+        </p:txBody>
+      </p:sp>
+      <p:pic>
+        <p:nvPicPr>
+          <p:cNvPr id="5" name="Picture 4">
+            <a:extLst>
+              <a:ext uri="{FF2B5EF4-FFF2-40B4-BE49-F238E27FC236}">
+                <a16:creationId xmlns:a16="http://schemas.microsoft.com/office/drawing/2014/main" id="{77928343-A7DE-1B4C-B72E-0278EBE06EF1}"/>
+              </a:ext>
+            </a:extLst>
+          </p:cNvPr>
+          <p:cNvPicPr>
+            <a:picLocks noChangeAspect="1"/>
+          </p:cNvPicPr>
+          <p:nvPr/>
+        </p:nvPicPr>
+        <p:blipFill>
+          <a:blip r:embed="rId2"/>
+          <a:stretch>
+            <a:fillRect/>
+          </a:stretch>
+        </p:blipFill>
+        <p:spPr>
+          <a:xfrm>
+            <a:off x="9079510" y="4037610"/>
+            <a:ext cx="2274290" cy="2274290"/>
+          </a:xfrm>
+          <a:prstGeom prst="rect">
+            <a:avLst/>
+          </a:prstGeom>
+        </p:spPr>
+      </p:pic>
     </p:spTree>
     <p:extLst>
       <p:ext uri="{BB962C8B-B14F-4D97-AF65-F5344CB8AC3E}">
@@ -4740,10 +4852,83 @@
           <a:bodyPr/>
           <a:lstStyle/>
           <a:p>
-            <a:endParaRPr lang="en-US"/>
-          </a:p>
-        </p:txBody>
-      </p:sp>
+            <a:r>
+              <a:rPr lang="en-US" dirty="0"/>
+              <a:t>Docker Registries</a:t>
+            </a:r>
+          </a:p>
+          <a:p>
+            <a:r>
+              <a:rPr lang="en-US" dirty="0"/>
+              <a:t>Stores different tags as well as latest</a:t>
+            </a:r>
+          </a:p>
+          <a:p>
+            <a:r>
+              <a:rPr lang="en-US" dirty="0"/>
+              <a:t>Has third party and Docker approved images</a:t>
+            </a:r>
+          </a:p>
+          <a:p>
+            <a:r>
+              <a:rPr lang="en-US" dirty="0">
+                <a:hlinkClick r:id="rId2"/>
+              </a:rPr>
+              <a:t>https://hub.docker.com/</a:t>
+            </a:r>
+            <a:endParaRPr lang="en-US" dirty="0"/>
+          </a:p>
+          <a:p>
+            <a:r>
+              <a:rPr lang="en-US" dirty="0"/>
+              <a:t>Images deployed via docker push/pull</a:t>
+            </a:r>
+          </a:p>
+          <a:p>
+            <a:r>
+              <a:rPr lang="en-US" dirty="0"/>
+              <a:t>Can host your own registry and configure via:</a:t>
+            </a:r>
+            <a:br>
+              <a:rPr lang="en-US" dirty="0"/>
+            </a:br>
+            <a:r>
+              <a:rPr lang="en-US" dirty="0"/>
+              <a:t>docker login</a:t>
+            </a:r>
+          </a:p>
+        </p:txBody>
+      </p:sp>
+      <p:pic>
+        <p:nvPicPr>
+          <p:cNvPr id="5" name="Picture 4">
+            <a:extLst>
+              <a:ext uri="{FF2B5EF4-FFF2-40B4-BE49-F238E27FC236}">
+                <a16:creationId xmlns:a16="http://schemas.microsoft.com/office/drawing/2014/main" id="{AC791436-88CF-7348-9001-B65473021370}"/>
+              </a:ext>
+            </a:extLst>
+          </p:cNvPr>
+          <p:cNvPicPr>
+            <a:picLocks noChangeAspect="1"/>
+          </p:cNvPicPr>
+          <p:nvPr/>
+        </p:nvPicPr>
+        <p:blipFill>
+          <a:blip r:embed="rId3"/>
+          <a:stretch>
+            <a:fillRect/>
+          </a:stretch>
+        </p:blipFill>
+        <p:spPr>
+          <a:xfrm>
+            <a:off x="7647956" y="3233314"/>
+            <a:ext cx="3705844" cy="2943649"/>
+          </a:xfrm>
+          <a:prstGeom prst="rect">
+            <a:avLst/>
+          </a:prstGeom>
+        </p:spPr>
+      </p:pic>
     </p:spTree>
     <p:extLst>
       <p:ext uri="{BB962C8B-B14F-4D97-AF65-F5344CB8AC3E}">
@@ -4866,6 +5051,195 @@
           <p:cNvPr id="2" name="Title 1">
             <a:extLst>
               <a:ext uri="{FF2B5EF4-FFF2-40B4-BE49-F238E27FC236}">
+                <a16:creationId xmlns:a16="http://schemas.microsoft.com/office/drawing/2014/main" id="{F3C1C8C2-4106-3F4C-A544-62DEB4E87A53}"/>
+              </a:ext>
+            </a:extLst>
+          </p:cNvPr>
+          <p:cNvSpPr>
+            <a:spLocks noGrp="1"/>
+          </p:cNvSpPr>
+          <p:nvPr>
+            <p:ph type="title"/>
+          </p:nvPr>
+        </p:nvSpPr>
+        <p:spPr/>
+        <p:txBody>
+          <a:bodyPr/>
+          <a:lstStyle/>
+          <a:p>
+            <a:r>
+              <a:rPr lang="en-US" dirty="0"/>
+              <a:t>Basic/Common commands overview</a:t>
+            </a:r>
+          </a:p>
+        </p:txBody>
+      </p:sp>
+      <p:sp>
+        <p:nvSpPr>
+          <p:cNvPr id="3" name="Content Placeholder 2">
+            <a:extLst>
+              <a:ext uri="{FF2B5EF4-FFF2-40B4-BE49-F238E27FC236}">
+                <a16:creationId xmlns:a16="http://schemas.microsoft.com/office/drawing/2014/main" id="{149A0DDC-1FDE-524D-A6FC-B5A39FDFF009}"/>
+              </a:ext>
+            </a:extLst>
+          </p:cNvPr>
+          <p:cNvSpPr>
+            <a:spLocks noGrp="1"/>
+          </p:cNvSpPr>
+          <p:nvPr>
+            <p:ph idx="1"/>
+          </p:nvPr>
+        </p:nvSpPr>
+        <p:spPr/>
+        <p:txBody>
+          <a:bodyPr>
+            <a:normAutofit fontScale="92500" lnSpcReduction="20000"/>
+          </a:bodyPr>
+          <a:lstStyle/>
+          <a:p>
+            <a:r>
+              <a:rPr lang="en-US" dirty="0"/>
+              <a:t>docker info</a:t>
+            </a:r>
+          </a:p>
+          <a:p>
+            <a:r>
+              <a:rPr lang="en-US" dirty="0"/>
+              <a:t>docker build</a:t>
+            </a:r>
+          </a:p>
+          <a:p>
+            <a:r>
+              <a:rPr lang="en-US" dirty="0"/>
+              <a:t>docker run/start/stop/pause/</a:t>
+            </a:r>
+            <a:r>
+              <a:rPr lang="en-US" dirty="0" err="1"/>
+              <a:t>unapuse</a:t>
+            </a:r>
+            <a:r>
+              <a:rPr lang="en-US" dirty="0"/>
+              <a:t>/restart/</a:t>
+            </a:r>
+            <a:r>
+              <a:rPr lang="en-US" dirty="0" err="1"/>
+              <a:t>rm</a:t>
+            </a:r>
+            <a:endParaRPr lang="en-US" dirty="0"/>
+          </a:p>
+          <a:p>
+            <a:r>
+              <a:rPr lang="en-US" dirty="0"/>
+              <a:t>docker logs</a:t>
+            </a:r>
+          </a:p>
+          <a:p>
+            <a:r>
+              <a:rPr lang="en-US" dirty="0"/>
+              <a:t>docker </a:t>
+            </a:r>
+            <a:r>
+              <a:rPr lang="en-US" dirty="0" err="1"/>
+              <a:t>ps</a:t>
+            </a:r>
+            <a:endParaRPr lang="en-US" dirty="0"/>
+          </a:p>
+          <a:p>
+            <a:r>
+              <a:rPr lang="en-US" dirty="0"/>
+              <a:t>docker volume ls</a:t>
+            </a:r>
+          </a:p>
+          <a:p>
+            <a:r>
+              <a:rPr lang="en-US" dirty="0"/>
+              <a:t>docker network ls</a:t>
+            </a:r>
+          </a:p>
+          <a:p>
+            <a:r>
+              <a:rPr lang="en-US" dirty="0"/>
+              <a:t>docker image ls</a:t>
+            </a:r>
+          </a:p>
+          <a:p>
+            <a:r>
+              <a:rPr lang="en-US" dirty="0"/>
+              <a:t>docker stats</a:t>
+            </a:r>
+          </a:p>
+          <a:p>
+            <a:r>
+              <a:rPr lang="en-US" dirty="0"/>
+              <a:t>docker pull/push</a:t>
+            </a:r>
+          </a:p>
+        </p:txBody>
+      </p:sp>
+      <p:pic>
+        <p:nvPicPr>
+          <p:cNvPr id="6" name="Picture 5">
+            <a:extLst>
+              <a:ext uri="{FF2B5EF4-FFF2-40B4-BE49-F238E27FC236}">
+                <a16:creationId xmlns:a16="http://schemas.microsoft.com/office/drawing/2014/main" id="{246AAED0-52BA-4C43-AAB4-0C5C9C3AD9BF}"/>
+              </a:ext>
+            </a:extLst>
+          </p:cNvPr>
+          <p:cNvPicPr>
+            <a:picLocks noChangeAspect="1"/>
+          </p:cNvPicPr>
+          <p:nvPr/>
+        </p:nvPicPr>
+        <p:blipFill rotWithShape="1">
+          <a:blip r:embed="rId2"/>
+          <a:srcRect l="24948" r="27284"/>
+          <a:stretch/>
+        </p:blipFill>
+        <p:spPr>
+          <a:xfrm>
+            <a:off x="8087095" y="1825625"/>
+            <a:ext cx="2850079" cy="3974688"/>
+          </a:xfrm>
+          <a:prstGeom prst="rect">
+            <a:avLst/>
+          </a:prstGeom>
+        </p:spPr>
+      </p:pic>
+    </p:spTree>
+    <p:extLst>
+      <p:ext uri="{BB962C8B-B14F-4D97-AF65-F5344CB8AC3E}">
+        <p14:creationId xmlns:p14="http://schemas.microsoft.com/office/powerpoint/2010/main" val="4263588835"/>
+      </p:ext>
+    </p:extLst>
+  </p:cSld>
+  <p:clrMapOvr>
+    <a:masterClrMapping/>
+  </p:clrMapOvr>
+</p:sld>
+</file>
+
+<file path=ppt/slides/slide21.xml><?xml version="1.0" encoding="utf-8"?>
+<p:sld xmlns:a="http://schemas.openxmlformats.org/drawingml/2006/main" xmlns:r="http://schemas.openxmlformats.org/officeDocument/2006/relationships" xmlns:p="http://schemas.openxmlformats.org/presentationml/2006/main">
+  <p:cSld>
+    <p:spTree>
+      <p:nvGrpSpPr>
+        <p:cNvPr id="1" name=""/>
+        <p:cNvGrpSpPr/>
+        <p:nvPr/>
+      </p:nvGrpSpPr>
+      <p:grpSpPr>
+        <a:xfrm>
+          <a:off x="0" y="0"/>
+          <a:ext cx="0" cy="0"/>
+          <a:chOff x="0" y="0"/>
+          <a:chExt cx="0" cy="0"/>
+        </a:xfrm>
+      </p:grpSpPr>
+      <p:sp>
+        <p:nvSpPr>
+          <p:cNvPr id="2" name="Title 1">
+            <a:extLst>
+              <a:ext uri="{FF2B5EF4-FFF2-40B4-BE49-F238E27FC236}">
                 <a16:creationId xmlns:a16="http://schemas.microsoft.com/office/drawing/2014/main" id="{7242360A-2F72-8943-8186-6ADA30B189B3}"/>
               </a:ext>
             </a:extLst>
@@ -4921,7 +5295,7 @@
           <a:p>
             <a:r>
               <a:rPr lang="en-US" dirty="0"/>
-              <a:t>A presentation on it’s own but lets introduce the topic briefly. TODO CHEATSHEET</a:t>
+              <a:t>A presentation on it’s own but lets introduce the topic briefly.</a:t>
             </a:r>
           </a:p>
         </p:txBody>
@@ -4999,122 +5373,6 @@
 </p:sld>
 </file>
 
-<file path=ppt/slides/slide21.xml><?xml version="1.0" encoding="utf-8"?>
-<p:sld xmlns:a="http://schemas.openxmlformats.org/drawingml/2006/main" xmlns:r="http://schemas.openxmlformats.org/officeDocument/2006/relationships" xmlns:p="http://schemas.openxmlformats.org/presentationml/2006/main">
-  <p:cSld>
-    <p:spTree>
-      <p:nvGrpSpPr>
-        <p:cNvPr id="1" name=""/>
-        <p:cNvGrpSpPr/>
-        <p:nvPr/>
-      </p:nvGrpSpPr>
-      <p:grpSpPr>
-        <a:xfrm>
-          <a:off x="0" y="0"/>
-          <a:ext cx="0" cy="0"/>
-          <a:chOff x="0" y="0"/>
-          <a:chExt cx="0" cy="0"/>
-        </a:xfrm>
-      </p:grpSpPr>
-      <p:sp>
-        <p:nvSpPr>
-          <p:cNvPr id="2" name="Title 1">
-            <a:extLst>
-              <a:ext uri="{FF2B5EF4-FFF2-40B4-BE49-F238E27FC236}">
-                <a16:creationId xmlns:a16="http://schemas.microsoft.com/office/drawing/2014/main" id="{F08920AA-5A7F-D640-BCCC-437802ED600E}"/>
-              </a:ext>
-            </a:extLst>
-          </p:cNvPr>
-          <p:cNvSpPr>
-            <a:spLocks noGrp="1"/>
-          </p:cNvSpPr>
-          <p:nvPr>
-            <p:ph type="title"/>
-          </p:nvPr>
-        </p:nvSpPr>
-        <p:spPr/>
-        <p:txBody>
-          <a:bodyPr/>
-          <a:lstStyle/>
-          <a:p>
-            <a:r>
-              <a:rPr lang="en-US" dirty="0"/>
-              <a:t>Features</a:t>
-            </a:r>
-          </a:p>
-        </p:txBody>
-      </p:sp>
-      <p:sp>
-        <p:nvSpPr>
-          <p:cNvPr id="3" name="Content Placeholder 2">
-            <a:extLst>
-              <a:ext uri="{FF2B5EF4-FFF2-40B4-BE49-F238E27FC236}">
-                <a16:creationId xmlns:a16="http://schemas.microsoft.com/office/drawing/2014/main" id="{CEA7C756-8A20-694A-8FFE-8BCC43E222D7}"/>
-              </a:ext>
-            </a:extLst>
-          </p:cNvPr>
-          <p:cNvSpPr>
-            <a:spLocks noGrp="1"/>
-          </p:cNvSpPr>
-          <p:nvPr>
-            <p:ph idx="1"/>
-          </p:nvPr>
-        </p:nvSpPr>
-        <p:spPr/>
-        <p:txBody>
-          <a:bodyPr/>
-          <a:lstStyle/>
-          <a:p>
-            <a:r>
-              <a:rPr lang="en-US" dirty="0"/>
-              <a:t>Scaling</a:t>
-            </a:r>
-          </a:p>
-          <a:p>
-            <a:r>
-              <a:rPr lang="en-US" dirty="0"/>
-              <a:t>Health checks and disaster recovery</a:t>
-            </a:r>
-          </a:p>
-          <a:p>
-            <a:r>
-              <a:rPr lang="en-US" dirty="0"/>
-              <a:t>Easy to use networking</a:t>
-            </a:r>
-          </a:p>
-          <a:p>
-            <a:r>
-              <a:rPr lang="en-US" dirty="0"/>
-              <a:t>Load balancing</a:t>
-            </a:r>
-          </a:p>
-          <a:p>
-            <a:r>
-              <a:rPr lang="en-US" dirty="0"/>
-              <a:t>Rolling updates</a:t>
-            </a:r>
-          </a:p>
-          <a:p>
-            <a:endParaRPr lang="en-US" dirty="0"/>
-          </a:p>
-          <a:p>
-            <a:endParaRPr lang="en-US" dirty="0"/>
-          </a:p>
-        </p:txBody>
-      </p:sp>
-    </p:spTree>
-    <p:extLst>
-      <p:ext uri="{BB962C8B-B14F-4D97-AF65-F5344CB8AC3E}">
-        <p14:creationId xmlns:p14="http://schemas.microsoft.com/office/powerpoint/2010/main" val="1479955441"/>
-      </p:ext>
-    </p:extLst>
-  </p:cSld>
-  <p:clrMapOvr>
-    <a:masterClrMapping/>
-  </p:clrMapOvr>
-</p:sld>
-</file>
-
 <file path=ppt/slides/slide22.xml><?xml version="1.0" encoding="utf-8"?>
 <p:sld xmlns:a="http://schemas.openxmlformats.org/drawingml/2006/main" xmlns:r="http://schemas.openxmlformats.org/officeDocument/2006/relationships" xmlns:p="http://schemas.openxmlformats.org/presentationml/2006/main">
   <p:cSld>
@@ -5137,7 +5395,7 @@
           <p:cNvPr id="2" name="Title 1">
             <a:extLst>
               <a:ext uri="{FF2B5EF4-FFF2-40B4-BE49-F238E27FC236}">
-                <a16:creationId xmlns:a16="http://schemas.microsoft.com/office/drawing/2014/main" id="{FBD73B9F-1A63-4942-9E47-872399C0BAF0}"/>
+                <a16:creationId xmlns:a16="http://schemas.microsoft.com/office/drawing/2014/main" id="{F08920AA-5A7F-D640-BCCC-437802ED600E}"/>
               </a:ext>
             </a:extLst>
           </p:cNvPr>
@@ -5155,7 +5413,7 @@
           <a:p>
             <a:r>
               <a:rPr lang="en-US" dirty="0"/>
-              <a:t>How can I start using containers?</a:t>
+              <a:t>Features</a:t>
             </a:r>
           </a:p>
         </p:txBody>
@@ -5165,7 +5423,7 @@
           <p:cNvPr id="3" name="Content Placeholder 2">
             <a:extLst>
               <a:ext uri="{FF2B5EF4-FFF2-40B4-BE49-F238E27FC236}">
-                <a16:creationId xmlns:a16="http://schemas.microsoft.com/office/drawing/2014/main" id="{BD49FE30-2D9C-D449-BEA7-ACF12DBBE913}"/>
+                <a16:creationId xmlns:a16="http://schemas.microsoft.com/office/drawing/2014/main" id="{CEA7C756-8A20-694A-8FFE-8BCC43E222D7}"/>
               </a:ext>
             </a:extLst>
           </p:cNvPr>
@@ -5183,33 +5441,45 @@
           <a:p>
             <a:r>
               <a:rPr lang="en-US" dirty="0"/>
-              <a:t>Run your tests using containers.</a:t>
-            </a:r>
-          </a:p>
-          <a:p>
-            <a:r>
-              <a:rPr lang="en-US" dirty="0"/>
-              <a:t>Run some of your scripts using containers.</a:t>
-            </a:r>
-          </a:p>
-          <a:p>
-            <a:r>
-              <a:rPr lang="en-US" dirty="0"/>
-              <a:t>Put your next app/project in a container.</a:t>
-            </a:r>
-          </a:p>
-          <a:p>
-            <a:r>
-              <a:rPr lang="en-US" dirty="0"/>
-              <a:t>Do I really need a VM to do this? Try using a container instead.</a:t>
-            </a:r>
+              <a:t>Scaling</a:t>
+            </a:r>
+          </a:p>
+          <a:p>
+            <a:r>
+              <a:rPr lang="en-US" dirty="0"/>
+              <a:t>Load balancing</a:t>
+            </a:r>
+          </a:p>
+          <a:p>
+            <a:r>
+              <a:rPr lang="en-US" dirty="0"/>
+              <a:t>Health checks and disaster recovery/self healing</a:t>
+            </a:r>
+          </a:p>
+          <a:p>
+            <a:r>
+              <a:rPr lang="en-US" dirty="0"/>
+              <a:t>Easy to use networking</a:t>
+            </a:r>
+          </a:p>
+          <a:p>
+            <a:r>
+              <a:rPr lang="en-US" dirty="0"/>
+              <a:t>Rolling updates</a:t>
+            </a:r>
+          </a:p>
+          <a:p>
+            <a:endParaRPr lang="en-US" dirty="0"/>
+          </a:p>
+          <a:p>
+            <a:endParaRPr lang="en-US" dirty="0"/>
           </a:p>
         </p:txBody>
       </p:sp>
     </p:spTree>
     <p:extLst>
       <p:ext uri="{BB962C8B-B14F-4D97-AF65-F5344CB8AC3E}">
-        <p14:creationId xmlns:p14="http://schemas.microsoft.com/office/powerpoint/2010/main" val="2782358817"/>
+        <p14:creationId xmlns:p14="http://schemas.microsoft.com/office/powerpoint/2010/main" val="1479955441"/>
       </p:ext>
     </p:extLst>
   </p:cSld>
@@ -5241,6 +5511,128 @@
           <p:cNvPr id="2" name="Title 1">
             <a:extLst>
               <a:ext uri="{FF2B5EF4-FFF2-40B4-BE49-F238E27FC236}">
+                <a16:creationId xmlns:a16="http://schemas.microsoft.com/office/drawing/2014/main" id="{FBD73B9F-1A63-4942-9E47-872399C0BAF0}"/>
+              </a:ext>
+            </a:extLst>
+          </p:cNvPr>
+          <p:cNvSpPr>
+            <a:spLocks noGrp="1"/>
+          </p:cNvSpPr>
+          <p:nvPr>
+            <p:ph type="title"/>
+          </p:nvPr>
+        </p:nvSpPr>
+        <p:spPr/>
+        <p:txBody>
+          <a:bodyPr/>
+          <a:lstStyle/>
+          <a:p>
+            <a:r>
+              <a:rPr lang="en-US" dirty="0"/>
+              <a:t>How can I start using containers?</a:t>
+            </a:r>
+          </a:p>
+        </p:txBody>
+      </p:sp>
+      <p:sp>
+        <p:nvSpPr>
+          <p:cNvPr id="3" name="Content Placeholder 2">
+            <a:extLst>
+              <a:ext uri="{FF2B5EF4-FFF2-40B4-BE49-F238E27FC236}">
+                <a16:creationId xmlns:a16="http://schemas.microsoft.com/office/drawing/2014/main" id="{BD49FE30-2D9C-D449-BEA7-ACF12DBBE913}"/>
+              </a:ext>
+            </a:extLst>
+          </p:cNvPr>
+          <p:cNvSpPr>
+            <a:spLocks noGrp="1"/>
+          </p:cNvSpPr>
+          <p:nvPr>
+            <p:ph idx="1"/>
+          </p:nvPr>
+        </p:nvSpPr>
+        <p:spPr/>
+        <p:txBody>
+          <a:bodyPr/>
+          <a:lstStyle/>
+          <a:p>
+            <a:r>
+              <a:rPr lang="en-US" dirty="0"/>
+              <a:t>Docker works best on Linux but there is Docker for Mac and Docker for Windows which run it in a Hypervisor, install and start playing.</a:t>
+            </a:r>
+          </a:p>
+          <a:p>
+            <a:r>
+              <a:rPr lang="en-US" dirty="0"/>
+              <a:t>There are Windows containers but I seldomly see them used.</a:t>
+            </a:r>
+          </a:p>
+          <a:p>
+            <a:r>
+              <a:rPr lang="en-US" dirty="0"/>
+              <a:t>Do a quick tutorial online (there are a bunch of them).</a:t>
+            </a:r>
+          </a:p>
+          <a:p>
+            <a:r>
+              <a:rPr lang="en-US" dirty="0"/>
+              <a:t>Run your tests using containers.</a:t>
+            </a:r>
+          </a:p>
+          <a:p>
+            <a:r>
+              <a:rPr lang="en-US" dirty="0"/>
+              <a:t>Run some of your scripts using containers.</a:t>
+            </a:r>
+          </a:p>
+          <a:p>
+            <a:r>
+              <a:rPr lang="en-US" dirty="0"/>
+              <a:t>Put your next app/project in a container.</a:t>
+            </a:r>
+          </a:p>
+          <a:p>
+            <a:r>
+              <a:rPr lang="en-US" dirty="0"/>
+              <a:t>Do I really need a VM to do this? Try using a container instead.</a:t>
+            </a:r>
+          </a:p>
+        </p:txBody>
+      </p:sp>
+    </p:spTree>
+    <p:extLst>
+      <p:ext uri="{BB962C8B-B14F-4D97-AF65-F5344CB8AC3E}">
+        <p14:creationId xmlns:p14="http://schemas.microsoft.com/office/powerpoint/2010/main" val="2782358817"/>
+      </p:ext>
+    </p:extLst>
+  </p:cSld>
+  <p:clrMapOvr>
+    <a:masterClrMapping/>
+  </p:clrMapOvr>
+</p:sld>
+</file>
+
+<file path=ppt/slides/slide24.xml><?xml version="1.0" encoding="utf-8"?>
+<p:sld xmlns:a="http://schemas.openxmlformats.org/drawingml/2006/main" xmlns:r="http://schemas.openxmlformats.org/officeDocument/2006/relationships" xmlns:p="http://schemas.openxmlformats.org/presentationml/2006/main">
+  <p:cSld>
+    <p:spTree>
+      <p:nvGrpSpPr>
+        <p:cNvPr id="1" name=""/>
+        <p:cNvGrpSpPr/>
+        <p:nvPr/>
+      </p:nvGrpSpPr>
+      <p:grpSpPr>
+        <a:xfrm>
+          <a:off x="0" y="0"/>
+          <a:ext cx="0" cy="0"/>
+          <a:chOff x="0" y="0"/>
+          <a:chExt cx="0" cy="0"/>
+        </a:xfrm>
+      </p:grpSpPr>
+      <p:sp>
+        <p:nvSpPr>
+          <p:cNvPr id="2" name="Title 1">
+            <a:extLst>
+              <a:ext uri="{FF2B5EF4-FFF2-40B4-BE49-F238E27FC236}">
                 <a16:creationId xmlns:a16="http://schemas.microsoft.com/office/drawing/2014/main" id="{775A3E4A-AAAF-EF46-BCB6-FD6C4E7F2ECD}"/>
               </a:ext>
             </a:extLst>
@@ -5261,6 +5653,43 @@
               <a:rPr lang="en-US" dirty="0"/>
               <a:t>Questions?</a:t>
             </a:r>
+          </a:p>
+        </p:txBody>
+      </p:sp>
+      <p:sp>
+        <p:nvSpPr>
+          <p:cNvPr id="3" name="Content Placeholder 2">
+            <a:extLst>
+              <a:ext uri="{FF2B5EF4-FFF2-40B4-BE49-F238E27FC236}">
+                <a16:creationId xmlns:a16="http://schemas.microsoft.com/office/drawing/2014/main" id="{F7C68971-F242-F040-AD09-8CA56BE27BE1}"/>
+              </a:ext>
+            </a:extLst>
+          </p:cNvPr>
+          <p:cNvSpPr>
+            <a:spLocks noGrp="1"/>
+          </p:cNvSpPr>
+          <p:nvPr>
+            <p:ph idx="1"/>
+          </p:nvPr>
+        </p:nvSpPr>
+        <p:spPr/>
+        <p:txBody>
+          <a:bodyPr/>
+          <a:lstStyle/>
+          <a:p>
+            <a:r>
+              <a:rPr lang="en-US" dirty="0">
+                <a:hlinkClick r:id="rId2"/>
+              </a:rPr>
+              <a:t>https://github.com/agsimeonov/docker-intro-presentatio</a:t>
+            </a:r>
+            <a:r>
+              <a:rPr lang="en-US" dirty="0">
+                <a:hlinkClick r:id="rId2"/>
+              </a:rPr>
+              <a:t>n</a:t>
+            </a:r>
+            <a:endParaRPr lang="en-US" dirty="0"/>
           </a:p>
         </p:txBody>
       </p:sp>

--- a/docker-intro-presentation.pptx
+++ b/docker-intro-presentation.pptx
@@ -5476,6 +5476,36 @@
           </a:p>
         </p:txBody>
       </p:sp>
+      <p:pic>
+        <p:nvPicPr>
+          <p:cNvPr id="5" name="Picture 4">
+            <a:extLst>
+              <a:ext uri="{FF2B5EF4-FFF2-40B4-BE49-F238E27FC236}">
+                <a16:creationId xmlns:a16="http://schemas.microsoft.com/office/drawing/2014/main" id="{04F278C2-539B-1041-A321-AB6B4130B936}"/>
+              </a:ext>
+            </a:extLst>
+          </p:cNvPr>
+          <p:cNvPicPr>
+            <a:picLocks noChangeAspect="1"/>
+          </p:cNvPicPr>
+          <p:nvPr/>
+        </p:nvPicPr>
+        <p:blipFill>
+          <a:blip r:embed="rId2"/>
+          <a:stretch>
+            <a:fillRect/>
+          </a:stretch>
+        </p:blipFill>
+        <p:spPr>
+          <a:xfrm>
+            <a:off x="6273800" y="3568700"/>
+            <a:ext cx="5080000" cy="2743200"/>
+          </a:xfrm>
+          <a:prstGeom prst="rect">
+            <a:avLst/>
+          </a:prstGeom>
+        </p:spPr>
+      </p:pic>
     </p:spTree>
     <p:extLst>
       <p:ext uri="{BB962C8B-B14F-4D97-AF65-F5344CB8AC3E}">
@@ -5693,6 +5723,36 @@
           </a:p>
         </p:txBody>
       </p:sp>
+      <p:pic>
+        <p:nvPicPr>
+          <p:cNvPr id="5" name="Picture 4">
+            <a:extLst>
+              <a:ext uri="{FF2B5EF4-FFF2-40B4-BE49-F238E27FC236}">
+                <a16:creationId xmlns:a16="http://schemas.microsoft.com/office/drawing/2014/main" id="{3237F634-7B6D-0944-9745-019F0D9A77A5}"/>
+              </a:ext>
+            </a:extLst>
+          </p:cNvPr>
+          <p:cNvPicPr>
+            <a:picLocks noChangeAspect="1"/>
+          </p:cNvPicPr>
+          <p:nvPr/>
+        </p:nvPicPr>
+        <p:blipFill>
+          <a:blip r:embed="rId3"/>
+          <a:stretch>
+            <a:fillRect/>
+          </a:stretch>
+        </p:blipFill>
+        <p:spPr>
+          <a:xfrm>
+            <a:off x="5272644" y="2318998"/>
+            <a:ext cx="5440878" cy="3663525"/>
+          </a:xfrm>
+          <a:prstGeom prst="rect">
+            <a:avLst/>
+          </a:prstGeom>
+        </p:spPr>
+      </p:pic>
     </p:spTree>
     <p:extLst>
       <p:ext uri="{BB962C8B-B14F-4D97-AF65-F5344CB8AC3E}">
